--- a/files/powerpoint/pp_ex1.pptx
+++ b/files/powerpoint/pp_ex1.pptx
@@ -5,8 +5,8 @@
     <p:sldMasterId r:id="rId1" id="2147483648"/>
   </p:sldMasterIdLst>
   <p:sldIdLst>
-    <p:sldId r:id="rId6" id="1763658053"/>
-    <p:sldId r:id="rId7" id="1313915776"/>
+    <p:sldId r:id="rId6" id="842151142"/>
+    <p:sldId r:id="rId7" id="1765144532"/>
   </p:sldIdLst>
   <p:sldSz cy="6858000" cx="12192000"/>
   <p:notesSz cy="9144000" cx="6858000"/>
@@ -2840,7 +2840,9 @@
                       <a:r>
                         <a:rPr b="true" sz="1100">
                           <a:solidFill>
-                            <a:srgbClr val="000000"/>
+                            <a:srgbClr val="000000">
+                              <a:alpha val="100000"/>
+                            </a:srgbClr>
                           </a:solidFill>
                           <a:latin typeface="Times New Roman"/>
                           <a:ea typeface="Times New Roman"/>
@@ -2853,30 +2855,40 @@
                   <a:tcPr anchor="ctr" marB="0" marT="0" marR="0" marL="0">
                     <a:lnL w="12700">
                       <a:solidFill>
-                        <a:srgbClr val="000000"/>
+                        <a:srgbClr val="000000">
+                          <a:alpha val="100000"/>
+                        </a:srgbClr>
                       </a:solidFill>
                       <a:prstDash val="solid"/>
                     </a:lnL>
                     <a:lnR w="12700">
                       <a:solidFill>
-                        <a:srgbClr val="000000"/>
+                        <a:srgbClr val="000000">
+                          <a:alpha val="100000"/>
+                        </a:srgbClr>
                       </a:solidFill>
                       <a:prstDash val="solid"/>
                     </a:lnR>
                     <a:lnT w="12700">
                       <a:solidFill>
-                        <a:srgbClr val="000000"/>
+                        <a:srgbClr val="000000">
+                          <a:alpha val="100000"/>
+                        </a:srgbClr>
                       </a:solidFill>
                       <a:prstDash val="solid"/>
                     </a:lnT>
                     <a:lnB w="12700">
                       <a:solidFill>
-                        <a:srgbClr val="000000"/>
+                        <a:srgbClr val="000000">
+                          <a:alpha val="100000"/>
+                        </a:srgbClr>
                       </a:solidFill>
                       <a:prstDash val="solid"/>
                     </a:lnB>
                     <a:solidFill>
-                      <a:srgbClr val="FFFFFF"/>
+                      <a:srgbClr val="FFFFFF">
+                        <a:alpha val="0"/>
+                      </a:srgbClr>
                     </a:solidFill>
                   </a:tcPr>
                 </a:tc>
@@ -2897,7 +2909,9 @@
                       <a:r>
                         <a:rPr b="true" sz="1100">
                           <a:solidFill>
-                            <a:srgbClr val="000000"/>
+                            <a:srgbClr val="000000">
+                              <a:alpha val="100000"/>
+                            </a:srgbClr>
                           </a:solidFill>
                           <a:latin typeface="Times New Roman"/>
                           <a:ea typeface="Times New Roman"/>
@@ -2910,30 +2924,40 @@
                   <a:tcPr anchor="ctr" marB="0" marT="0" marR="0" marL="0">
                     <a:lnL w="12700">
                       <a:solidFill>
-                        <a:srgbClr val="000000"/>
+                        <a:srgbClr val="000000">
+                          <a:alpha val="100000"/>
+                        </a:srgbClr>
                       </a:solidFill>
                       <a:prstDash val="solid"/>
                     </a:lnL>
                     <a:lnR w="12700">
                       <a:solidFill>
-                        <a:srgbClr val="000000"/>
+                        <a:srgbClr val="000000">
+                          <a:alpha val="100000"/>
+                        </a:srgbClr>
                       </a:solidFill>
                       <a:prstDash val="solid"/>
                     </a:lnR>
                     <a:lnT w="12700">
                       <a:solidFill>
-                        <a:srgbClr val="000000"/>
+                        <a:srgbClr val="000000">
+                          <a:alpha val="100000"/>
+                        </a:srgbClr>
                       </a:solidFill>
                       <a:prstDash val="solid"/>
                     </a:lnT>
                     <a:lnB w="12700">
                       <a:solidFill>
-                        <a:srgbClr val="000000"/>
+                        <a:srgbClr val="000000">
+                          <a:alpha val="100000"/>
+                        </a:srgbClr>
                       </a:solidFill>
                       <a:prstDash val="solid"/>
                     </a:lnB>
                     <a:solidFill>
-                      <a:srgbClr val="FFFFFF"/>
+                      <a:srgbClr val="FFFFFF">
+                        <a:alpha val="0"/>
+                      </a:srgbClr>
                     </a:solidFill>
                   </a:tcPr>
                 </a:tc>
@@ -2954,7 +2978,9 @@
                       <a:r>
                         <a:rPr b="true" sz="1100">
                           <a:solidFill>
-                            <a:srgbClr val="000000"/>
+                            <a:srgbClr val="000000">
+                              <a:alpha val="100000"/>
+                            </a:srgbClr>
                           </a:solidFill>
                           <a:latin typeface="Times New Roman"/>
                           <a:ea typeface="Times New Roman"/>
@@ -2967,30 +2993,40 @@
                   <a:tcPr anchor="ctr" marB="0" marT="0" marR="0" marL="0">
                     <a:lnL w="12700">
                       <a:solidFill>
-                        <a:srgbClr val="000000"/>
+                        <a:srgbClr val="000000">
+                          <a:alpha val="100000"/>
+                        </a:srgbClr>
                       </a:solidFill>
                       <a:prstDash val="solid"/>
                     </a:lnL>
                     <a:lnR w="12700">
                       <a:solidFill>
-                        <a:srgbClr val="000000"/>
+                        <a:srgbClr val="000000">
+                          <a:alpha val="100000"/>
+                        </a:srgbClr>
                       </a:solidFill>
                       <a:prstDash val="solid"/>
                     </a:lnR>
                     <a:lnT w="12700">
                       <a:solidFill>
-                        <a:srgbClr val="000000"/>
+                        <a:srgbClr val="000000">
+                          <a:alpha val="100000"/>
+                        </a:srgbClr>
                       </a:solidFill>
                       <a:prstDash val="solid"/>
                     </a:lnT>
                     <a:lnB w="12700">
                       <a:solidFill>
-                        <a:srgbClr val="000000"/>
+                        <a:srgbClr val="000000">
+                          <a:alpha val="100000"/>
+                        </a:srgbClr>
                       </a:solidFill>
                       <a:prstDash val="solid"/>
                     </a:lnB>
                     <a:solidFill>
-                      <a:srgbClr val="FFFFFF"/>
+                      <a:srgbClr val="FFFFFF">
+                        <a:alpha val="0"/>
+                      </a:srgbClr>
                     </a:solidFill>
                   </a:tcPr>
                 </a:tc>
@@ -3011,7 +3047,9 @@
                       <a:r>
                         <a:rPr b="true" sz="1100">
                           <a:solidFill>
-                            <a:srgbClr val="000000"/>
+                            <a:srgbClr val="000000">
+                              <a:alpha val="100000"/>
+                            </a:srgbClr>
                           </a:solidFill>
                           <a:latin typeface="Times New Roman"/>
                           <a:ea typeface="Times New Roman"/>
@@ -3024,30 +3062,40 @@
                   <a:tcPr anchor="ctr" marB="0" marT="0" marR="0" marL="0">
                     <a:lnL w="12700">
                       <a:solidFill>
-                        <a:srgbClr val="000000"/>
+                        <a:srgbClr val="000000">
+                          <a:alpha val="100000"/>
+                        </a:srgbClr>
                       </a:solidFill>
                       <a:prstDash val="solid"/>
                     </a:lnL>
                     <a:lnR w="12700">
                       <a:solidFill>
-                        <a:srgbClr val="000000"/>
+                        <a:srgbClr val="000000">
+                          <a:alpha val="100000"/>
+                        </a:srgbClr>
                       </a:solidFill>
                       <a:prstDash val="solid"/>
                     </a:lnR>
                     <a:lnT w="12700">
                       <a:solidFill>
-                        <a:srgbClr val="000000"/>
+                        <a:srgbClr val="000000">
+                          <a:alpha val="100000"/>
+                        </a:srgbClr>
                       </a:solidFill>
                       <a:prstDash val="solid"/>
                     </a:lnT>
                     <a:lnB w="12700">
                       <a:solidFill>
-                        <a:srgbClr val="000000"/>
+                        <a:srgbClr val="000000">
+                          <a:alpha val="100000"/>
+                        </a:srgbClr>
                       </a:solidFill>
                       <a:prstDash val="solid"/>
                     </a:lnB>
                     <a:solidFill>
-                      <a:srgbClr val="FFFFFF"/>
+                      <a:srgbClr val="FFFFFF">
+                        <a:alpha val="0"/>
+                      </a:srgbClr>
                     </a:solidFill>
                   </a:tcPr>
                 </a:tc>
@@ -3068,7 +3116,9 @@
                       <a:r>
                         <a:rPr b="true" sz="1100">
                           <a:solidFill>
-                            <a:srgbClr val="000000"/>
+                            <a:srgbClr val="000000">
+                              <a:alpha val="100000"/>
+                            </a:srgbClr>
                           </a:solidFill>
                           <a:latin typeface="Times New Roman"/>
                           <a:ea typeface="Times New Roman"/>
@@ -3081,30 +3131,40 @@
                   <a:tcPr anchor="ctr" marB="0" marT="0" marR="0" marL="0">
                     <a:lnL w="12700">
                       <a:solidFill>
-                        <a:srgbClr val="000000"/>
+                        <a:srgbClr val="000000">
+                          <a:alpha val="100000"/>
+                        </a:srgbClr>
                       </a:solidFill>
                       <a:prstDash val="solid"/>
                     </a:lnL>
                     <a:lnR w="12700">
                       <a:solidFill>
-                        <a:srgbClr val="000000"/>
+                        <a:srgbClr val="000000">
+                          <a:alpha val="100000"/>
+                        </a:srgbClr>
                       </a:solidFill>
                       <a:prstDash val="solid"/>
                     </a:lnR>
                     <a:lnT w="12700">
                       <a:solidFill>
-                        <a:srgbClr val="000000"/>
+                        <a:srgbClr val="000000">
+                          <a:alpha val="100000"/>
+                        </a:srgbClr>
                       </a:solidFill>
                       <a:prstDash val="solid"/>
                     </a:lnT>
                     <a:lnB w="12700">
                       <a:solidFill>
-                        <a:srgbClr val="000000"/>
+                        <a:srgbClr val="000000">
+                          <a:alpha val="100000"/>
+                        </a:srgbClr>
                       </a:solidFill>
                       <a:prstDash val="solid"/>
                     </a:lnB>
                     <a:solidFill>
-                      <a:srgbClr val="FFFFFF"/>
+                      <a:srgbClr val="FFFFFF">
+                        <a:alpha val="0"/>
+                      </a:srgbClr>
                     </a:solidFill>
                   </a:tcPr>
                 </a:tc>
@@ -3127,7 +3187,9 @@
                       <a:r>
                         <a:rPr sz="1100">
                           <a:solidFill>
-                            <a:srgbClr val="000000"/>
+                            <a:srgbClr val="000000">
+                              <a:alpha val="100000"/>
+                            </a:srgbClr>
                           </a:solidFill>
                           <a:latin typeface="Times New Roman"/>
                           <a:ea typeface="Times New Roman"/>
@@ -3138,7 +3200,9 @@
                       <a:r>
                         <a:rPr sz="1100">
                           <a:solidFill>
-                            <a:srgbClr val="000000"/>
+                            <a:srgbClr val="000000">
+                              <a:alpha val="100000"/>
+                            </a:srgbClr>
                           </a:solidFill>
                           <a:latin typeface="Times New Roman"/>
                           <a:ea typeface="Times New Roman"/>
@@ -3151,30 +3215,40 @@
                   <a:tcPr anchor="ctr" marB="0" marT="0" marR="0" marL="0">
                     <a:lnL w="12700">
                       <a:solidFill>
-                        <a:srgbClr val="000000"/>
+                        <a:srgbClr val="000000">
+                          <a:alpha val="100000"/>
+                        </a:srgbClr>
                       </a:solidFill>
                       <a:prstDash val="solid"/>
                     </a:lnL>
                     <a:lnR w="12700">
                       <a:solidFill>
-                        <a:srgbClr val="000000"/>
+                        <a:srgbClr val="000000">
+                          <a:alpha val="100000"/>
+                        </a:srgbClr>
                       </a:solidFill>
                       <a:prstDash val="solid"/>
                     </a:lnR>
                     <a:lnT w="12700">
                       <a:solidFill>
-                        <a:srgbClr val="000000"/>
+                        <a:srgbClr val="000000">
+                          <a:alpha val="100000"/>
+                        </a:srgbClr>
                       </a:solidFill>
                       <a:prstDash val="solid"/>
                     </a:lnT>
                     <a:lnB w="12700">
                       <a:solidFill>
-                        <a:srgbClr val="000000"/>
+                        <a:srgbClr val="000000">
+                          <a:alpha val="100000"/>
+                        </a:srgbClr>
                       </a:solidFill>
                       <a:prstDash val="solid"/>
                     </a:lnB>
                     <a:solidFill>
-                      <a:srgbClr val="FFFFFF"/>
+                      <a:srgbClr val="FFFFFF">
+                        <a:alpha val="0"/>
+                      </a:srgbClr>
                     </a:solidFill>
                   </a:tcPr>
                 </a:tc>
@@ -3195,7 +3269,9 @@
                       <a:r>
                         <a:rPr sz="1100">
                           <a:solidFill>
-                            <a:srgbClr val="000000"/>
+                            <a:srgbClr val="000000">
+                              <a:alpha val="100000"/>
+                            </a:srgbClr>
                           </a:solidFill>
                           <a:latin typeface="Times New Roman"/>
                           <a:ea typeface="Times New Roman"/>
@@ -3206,7 +3282,9 @@
                       <a:r>
                         <a:rPr sz="1100">
                           <a:solidFill>
-                            <a:srgbClr val="000000"/>
+                            <a:srgbClr val="000000">
+                              <a:alpha val="100000"/>
+                            </a:srgbClr>
                           </a:solidFill>
                           <a:latin typeface="Times New Roman"/>
                           <a:ea typeface="Times New Roman"/>
@@ -3219,30 +3297,40 @@
                   <a:tcPr anchor="ctr" marB="0" marT="0" marR="0" marL="0">
                     <a:lnL w="12700">
                       <a:solidFill>
-                        <a:srgbClr val="000000"/>
+                        <a:srgbClr val="000000">
+                          <a:alpha val="100000"/>
+                        </a:srgbClr>
                       </a:solidFill>
                       <a:prstDash val="solid"/>
                     </a:lnL>
                     <a:lnR w="12700">
                       <a:solidFill>
-                        <a:srgbClr val="000000"/>
+                        <a:srgbClr val="000000">
+                          <a:alpha val="100000"/>
+                        </a:srgbClr>
                       </a:solidFill>
                       <a:prstDash val="solid"/>
                     </a:lnR>
                     <a:lnT w="12700">
                       <a:solidFill>
-                        <a:srgbClr val="000000"/>
+                        <a:srgbClr val="000000">
+                          <a:alpha val="100000"/>
+                        </a:srgbClr>
                       </a:solidFill>
                       <a:prstDash val="solid"/>
                     </a:lnT>
                     <a:lnB w="12700">
                       <a:solidFill>
-                        <a:srgbClr val="000000"/>
+                        <a:srgbClr val="000000">
+                          <a:alpha val="100000"/>
+                        </a:srgbClr>
                       </a:solidFill>
                       <a:prstDash val="solid"/>
                     </a:lnB>
                     <a:solidFill>
-                      <a:srgbClr val="FFFFFF"/>
+                      <a:srgbClr val="FFFFFF">
+                        <a:alpha val="0"/>
+                      </a:srgbClr>
                     </a:solidFill>
                   </a:tcPr>
                 </a:tc>
@@ -3263,7 +3351,9 @@
                       <a:r>
                         <a:rPr sz="1100">
                           <a:solidFill>
-                            <a:srgbClr val="000000"/>
+                            <a:srgbClr val="000000">
+                              <a:alpha val="100000"/>
+                            </a:srgbClr>
                           </a:solidFill>
                           <a:latin typeface="Times New Roman"/>
                           <a:ea typeface="Times New Roman"/>
@@ -3274,7 +3364,9 @@
                       <a:r>
                         <a:rPr sz="1100">
                           <a:solidFill>
-                            <a:srgbClr val="000000"/>
+                            <a:srgbClr val="000000">
+                              <a:alpha val="100000"/>
+                            </a:srgbClr>
                           </a:solidFill>
                           <a:latin typeface="Times New Roman"/>
                           <a:ea typeface="Times New Roman"/>
@@ -3287,30 +3379,40 @@
                   <a:tcPr anchor="ctr" marB="0" marT="0" marR="0" marL="0">
                     <a:lnL w="12700">
                       <a:solidFill>
-                        <a:srgbClr val="000000"/>
+                        <a:srgbClr val="000000">
+                          <a:alpha val="100000"/>
+                        </a:srgbClr>
                       </a:solidFill>
                       <a:prstDash val="solid"/>
                     </a:lnL>
                     <a:lnR w="12700">
                       <a:solidFill>
-                        <a:srgbClr val="000000"/>
+                        <a:srgbClr val="000000">
+                          <a:alpha val="100000"/>
+                        </a:srgbClr>
                       </a:solidFill>
                       <a:prstDash val="solid"/>
                     </a:lnR>
                     <a:lnT w="12700">
                       <a:solidFill>
-                        <a:srgbClr val="000000"/>
+                        <a:srgbClr val="000000">
+                          <a:alpha val="100000"/>
+                        </a:srgbClr>
                       </a:solidFill>
                       <a:prstDash val="solid"/>
                     </a:lnT>
                     <a:lnB w="12700">
                       <a:solidFill>
-                        <a:srgbClr val="000000"/>
+                        <a:srgbClr val="000000">
+                          <a:alpha val="100000"/>
+                        </a:srgbClr>
                       </a:solidFill>
                       <a:prstDash val="solid"/>
                     </a:lnB>
                     <a:solidFill>
-                      <a:srgbClr val="FFFFFF"/>
+                      <a:srgbClr val="FFFFFF">
+                        <a:alpha val="0"/>
+                      </a:srgbClr>
                     </a:solidFill>
                   </a:tcPr>
                 </a:tc>
@@ -3331,7 +3433,9 @@
                       <a:r>
                         <a:rPr sz="1100">
                           <a:solidFill>
-                            <a:srgbClr val="000000"/>
+                            <a:srgbClr val="000000">
+                              <a:alpha val="100000"/>
+                            </a:srgbClr>
                           </a:solidFill>
                           <a:latin typeface="Times New Roman"/>
                           <a:ea typeface="Times New Roman"/>
@@ -3342,7 +3446,9 @@
                       <a:r>
                         <a:rPr sz="1100">
                           <a:solidFill>
-                            <a:srgbClr val="000000"/>
+                            <a:srgbClr val="000000">
+                              <a:alpha val="100000"/>
+                            </a:srgbClr>
                           </a:solidFill>
                           <a:latin typeface="Times New Roman"/>
                           <a:ea typeface="Times New Roman"/>
@@ -3355,30 +3461,40 @@
                   <a:tcPr anchor="ctr" marB="0" marT="0" marR="0" marL="0">
                     <a:lnL w="12700">
                       <a:solidFill>
-                        <a:srgbClr val="000000"/>
+                        <a:srgbClr val="000000">
+                          <a:alpha val="100000"/>
+                        </a:srgbClr>
                       </a:solidFill>
                       <a:prstDash val="solid"/>
                     </a:lnL>
                     <a:lnR w="12700">
                       <a:solidFill>
-                        <a:srgbClr val="000000"/>
+                        <a:srgbClr val="000000">
+                          <a:alpha val="100000"/>
+                        </a:srgbClr>
                       </a:solidFill>
                       <a:prstDash val="solid"/>
                     </a:lnR>
                     <a:lnT w="12700">
                       <a:solidFill>
-                        <a:srgbClr val="000000"/>
+                        <a:srgbClr val="000000">
+                          <a:alpha val="100000"/>
+                        </a:srgbClr>
                       </a:solidFill>
                       <a:prstDash val="solid"/>
                     </a:lnT>
                     <a:lnB w="12700">
                       <a:solidFill>
-                        <a:srgbClr val="000000"/>
+                        <a:srgbClr val="000000">
+                          <a:alpha val="100000"/>
+                        </a:srgbClr>
                       </a:solidFill>
                       <a:prstDash val="solid"/>
                     </a:lnB>
                     <a:solidFill>
-                      <a:srgbClr val="FFFFFF"/>
+                      <a:srgbClr val="FFFFFF">
+                        <a:alpha val="0"/>
+                      </a:srgbClr>
                     </a:solidFill>
                   </a:tcPr>
                 </a:tc>
@@ -3399,7 +3515,9 @@
                       <a:r>
                         <a:rPr sz="1100">
                           <a:solidFill>
-                            <a:srgbClr val="000000"/>
+                            <a:srgbClr val="000000">
+                              <a:alpha val="100000"/>
+                            </a:srgbClr>
                           </a:solidFill>
                           <a:latin typeface="Times New Roman"/>
                           <a:ea typeface="Times New Roman"/>
@@ -3410,7 +3528,9 @@
                       <a:r>
                         <a:rPr sz="1100">
                           <a:solidFill>
-                            <a:srgbClr val="000000"/>
+                            <a:srgbClr val="000000">
+                              <a:alpha val="100000"/>
+                            </a:srgbClr>
                           </a:solidFill>
                           <a:latin typeface="Times New Roman"/>
                           <a:ea typeface="Times New Roman"/>
@@ -3423,30 +3543,40 @@
                   <a:tcPr anchor="ctr" marB="0" marT="0" marR="0" marL="0">
                     <a:lnL w="12700">
                       <a:solidFill>
-                        <a:srgbClr val="000000"/>
+                        <a:srgbClr val="000000">
+                          <a:alpha val="100000"/>
+                        </a:srgbClr>
                       </a:solidFill>
                       <a:prstDash val="solid"/>
                     </a:lnL>
                     <a:lnR w="12700">
                       <a:solidFill>
-                        <a:srgbClr val="000000"/>
+                        <a:srgbClr val="000000">
+                          <a:alpha val="100000"/>
+                        </a:srgbClr>
                       </a:solidFill>
                       <a:prstDash val="solid"/>
                     </a:lnR>
                     <a:lnT w="12700">
                       <a:solidFill>
-                        <a:srgbClr val="000000"/>
+                        <a:srgbClr val="000000">
+                          <a:alpha val="100000"/>
+                        </a:srgbClr>
                       </a:solidFill>
                       <a:prstDash val="solid"/>
                     </a:lnT>
                     <a:lnB w="12700">
                       <a:solidFill>
-                        <a:srgbClr val="000000"/>
+                        <a:srgbClr val="000000">
+                          <a:alpha val="100000"/>
+                        </a:srgbClr>
                       </a:solidFill>
                       <a:prstDash val="solid"/>
                     </a:lnB>
                     <a:solidFill>
-                      <a:srgbClr val="FFFFFF"/>
+                      <a:srgbClr val="FFFFFF">
+                        <a:alpha val="0"/>
+                      </a:srgbClr>
                     </a:solidFill>
                   </a:tcPr>
                 </a:tc>
@@ -3469,7 +3599,9 @@
                       <a:r>
                         <a:rPr sz="1100">
                           <a:solidFill>
-                            <a:srgbClr val="000000"/>
+                            <a:srgbClr val="000000">
+                              <a:alpha val="100000"/>
+                            </a:srgbClr>
                           </a:solidFill>
                           <a:latin typeface="Times New Roman"/>
                           <a:ea typeface="Times New Roman"/>
@@ -3480,7 +3612,9 @@
                       <a:r>
                         <a:rPr sz="1100">
                           <a:solidFill>
-                            <a:srgbClr val="000000"/>
+                            <a:srgbClr val="000000">
+                              <a:alpha val="100000"/>
+                            </a:srgbClr>
                           </a:solidFill>
                           <a:latin typeface="Times New Roman"/>
                           <a:ea typeface="Times New Roman"/>
@@ -3493,30 +3627,40 @@
                   <a:tcPr anchor="ctr" marB="0" marT="0" marR="0" marL="0">
                     <a:lnL w="12700">
                       <a:solidFill>
-                        <a:srgbClr val="000000"/>
+                        <a:srgbClr val="000000">
+                          <a:alpha val="100000"/>
+                        </a:srgbClr>
                       </a:solidFill>
                       <a:prstDash val="solid"/>
                     </a:lnL>
                     <a:lnR w="12700">
                       <a:solidFill>
-                        <a:srgbClr val="000000"/>
+                        <a:srgbClr val="000000">
+                          <a:alpha val="100000"/>
+                        </a:srgbClr>
                       </a:solidFill>
                       <a:prstDash val="solid"/>
                     </a:lnR>
                     <a:lnT w="12700">
                       <a:solidFill>
-                        <a:srgbClr val="000000"/>
+                        <a:srgbClr val="000000">
+                          <a:alpha val="100000"/>
+                        </a:srgbClr>
                       </a:solidFill>
                       <a:prstDash val="solid"/>
                     </a:lnT>
                     <a:lnB w="12700">
                       <a:solidFill>
-                        <a:srgbClr val="000000"/>
+                        <a:srgbClr val="000000">
+                          <a:alpha val="100000"/>
+                        </a:srgbClr>
                       </a:solidFill>
                       <a:prstDash val="solid"/>
                     </a:lnB>
                     <a:solidFill>
-                      <a:srgbClr val="FFFFFF"/>
+                      <a:srgbClr val="FFFFFF">
+                        <a:alpha val="0"/>
+                      </a:srgbClr>
                     </a:solidFill>
                   </a:tcPr>
                 </a:tc>
@@ -3537,7 +3681,9 @@
                       <a:r>
                         <a:rPr sz="1100">
                           <a:solidFill>
-                            <a:srgbClr val="000000"/>
+                            <a:srgbClr val="000000">
+                              <a:alpha val="100000"/>
+                            </a:srgbClr>
                           </a:solidFill>
                           <a:latin typeface="Times New Roman"/>
                           <a:ea typeface="Times New Roman"/>
@@ -3548,7 +3694,9 @@
                       <a:r>
                         <a:rPr sz="1100">
                           <a:solidFill>
-                            <a:srgbClr val="000000"/>
+                            <a:srgbClr val="000000">
+                              <a:alpha val="100000"/>
+                            </a:srgbClr>
                           </a:solidFill>
                           <a:latin typeface="Times New Roman"/>
                           <a:ea typeface="Times New Roman"/>
@@ -3561,30 +3709,40 @@
                   <a:tcPr anchor="ctr" marB="0" marT="0" marR="0" marL="0">
                     <a:lnL w="12700">
                       <a:solidFill>
-                        <a:srgbClr val="000000"/>
+                        <a:srgbClr val="000000">
+                          <a:alpha val="100000"/>
+                        </a:srgbClr>
                       </a:solidFill>
                       <a:prstDash val="solid"/>
                     </a:lnL>
                     <a:lnR w="12700">
                       <a:solidFill>
-                        <a:srgbClr val="000000"/>
+                        <a:srgbClr val="000000">
+                          <a:alpha val="100000"/>
+                        </a:srgbClr>
                       </a:solidFill>
                       <a:prstDash val="solid"/>
                     </a:lnR>
                     <a:lnT w="12700">
                       <a:solidFill>
-                        <a:srgbClr val="000000"/>
+                        <a:srgbClr val="000000">
+                          <a:alpha val="100000"/>
+                        </a:srgbClr>
                       </a:solidFill>
                       <a:prstDash val="solid"/>
                     </a:lnT>
                     <a:lnB w="12700">
                       <a:solidFill>
-                        <a:srgbClr val="000000"/>
+                        <a:srgbClr val="000000">
+                          <a:alpha val="100000"/>
+                        </a:srgbClr>
                       </a:solidFill>
                       <a:prstDash val="solid"/>
                     </a:lnB>
                     <a:solidFill>
-                      <a:srgbClr val="FFFFFF"/>
+                      <a:srgbClr val="FFFFFF">
+                        <a:alpha val="0"/>
+                      </a:srgbClr>
                     </a:solidFill>
                   </a:tcPr>
                 </a:tc>
@@ -3605,7 +3763,9 @@
                       <a:r>
                         <a:rPr sz="1100">
                           <a:solidFill>
-                            <a:srgbClr val="000000"/>
+                            <a:srgbClr val="000000">
+                              <a:alpha val="100000"/>
+                            </a:srgbClr>
                           </a:solidFill>
                           <a:latin typeface="Times New Roman"/>
                           <a:ea typeface="Times New Roman"/>
@@ -3616,7 +3776,9 @@
                       <a:r>
                         <a:rPr sz="1100">
                           <a:solidFill>
-                            <a:srgbClr val="000000"/>
+                            <a:srgbClr val="000000">
+                              <a:alpha val="100000"/>
+                            </a:srgbClr>
                           </a:solidFill>
                           <a:latin typeface="Times New Roman"/>
                           <a:ea typeface="Times New Roman"/>
@@ -3629,30 +3791,40 @@
                   <a:tcPr anchor="ctr" marB="0" marT="0" marR="0" marL="0">
                     <a:lnL w="12700">
                       <a:solidFill>
-                        <a:srgbClr val="000000"/>
+                        <a:srgbClr val="000000">
+                          <a:alpha val="100000"/>
+                        </a:srgbClr>
                       </a:solidFill>
                       <a:prstDash val="solid"/>
                     </a:lnL>
                     <a:lnR w="12700">
                       <a:solidFill>
-                        <a:srgbClr val="000000"/>
+                        <a:srgbClr val="000000">
+                          <a:alpha val="100000"/>
+                        </a:srgbClr>
                       </a:solidFill>
                       <a:prstDash val="solid"/>
                     </a:lnR>
                     <a:lnT w="12700">
                       <a:solidFill>
-                        <a:srgbClr val="000000"/>
+                        <a:srgbClr val="000000">
+                          <a:alpha val="100000"/>
+                        </a:srgbClr>
                       </a:solidFill>
                       <a:prstDash val="solid"/>
                     </a:lnT>
                     <a:lnB w="12700">
                       <a:solidFill>
-                        <a:srgbClr val="000000"/>
+                        <a:srgbClr val="000000">
+                          <a:alpha val="100000"/>
+                        </a:srgbClr>
                       </a:solidFill>
                       <a:prstDash val="solid"/>
                     </a:lnB>
                     <a:solidFill>
-                      <a:srgbClr val="FFFFFF"/>
+                      <a:srgbClr val="FFFFFF">
+                        <a:alpha val="0"/>
+                      </a:srgbClr>
                     </a:solidFill>
                   </a:tcPr>
                 </a:tc>
@@ -3673,7 +3845,9 @@
                       <a:r>
                         <a:rPr sz="1100">
                           <a:solidFill>
-                            <a:srgbClr val="000000"/>
+                            <a:srgbClr val="000000">
+                              <a:alpha val="100000"/>
+                            </a:srgbClr>
                           </a:solidFill>
                           <a:latin typeface="Times New Roman"/>
                           <a:ea typeface="Times New Roman"/>
@@ -3684,7 +3858,9 @@
                       <a:r>
                         <a:rPr sz="1100">
                           <a:solidFill>
-                            <a:srgbClr val="000000"/>
+                            <a:srgbClr val="000000">
+                              <a:alpha val="100000"/>
+                            </a:srgbClr>
                           </a:solidFill>
                           <a:latin typeface="Times New Roman"/>
                           <a:ea typeface="Times New Roman"/>
@@ -3697,30 +3873,40 @@
                   <a:tcPr anchor="ctr" marB="0" marT="0" marR="0" marL="0">
                     <a:lnL w="12700">
                       <a:solidFill>
-                        <a:srgbClr val="000000"/>
+                        <a:srgbClr val="000000">
+                          <a:alpha val="100000"/>
+                        </a:srgbClr>
                       </a:solidFill>
                       <a:prstDash val="solid"/>
                     </a:lnL>
                     <a:lnR w="12700">
                       <a:solidFill>
-                        <a:srgbClr val="000000"/>
+                        <a:srgbClr val="000000">
+                          <a:alpha val="100000"/>
+                        </a:srgbClr>
                       </a:solidFill>
                       <a:prstDash val="solid"/>
                     </a:lnR>
                     <a:lnT w="12700">
                       <a:solidFill>
-                        <a:srgbClr val="000000"/>
+                        <a:srgbClr val="000000">
+                          <a:alpha val="100000"/>
+                        </a:srgbClr>
                       </a:solidFill>
                       <a:prstDash val="solid"/>
                     </a:lnT>
                     <a:lnB w="12700">
                       <a:solidFill>
-                        <a:srgbClr val="000000"/>
+                        <a:srgbClr val="000000">
+                          <a:alpha val="100000"/>
+                        </a:srgbClr>
                       </a:solidFill>
                       <a:prstDash val="solid"/>
                     </a:lnB>
                     <a:solidFill>
-                      <a:srgbClr val="FFFFFF"/>
+                      <a:srgbClr val="FFFFFF">
+                        <a:alpha val="0"/>
+                      </a:srgbClr>
                     </a:solidFill>
                   </a:tcPr>
                 </a:tc>
@@ -3741,7 +3927,9 @@
                       <a:r>
                         <a:rPr sz="1100">
                           <a:solidFill>
-                            <a:srgbClr val="000000"/>
+                            <a:srgbClr val="000000">
+                              <a:alpha val="100000"/>
+                            </a:srgbClr>
                           </a:solidFill>
                           <a:latin typeface="Times New Roman"/>
                           <a:ea typeface="Times New Roman"/>
@@ -3752,7 +3940,9 @@
                       <a:r>
                         <a:rPr sz="1100">
                           <a:solidFill>
-                            <a:srgbClr val="000000"/>
+                            <a:srgbClr val="000000">
+                              <a:alpha val="100000"/>
+                            </a:srgbClr>
                           </a:solidFill>
                           <a:latin typeface="Times New Roman"/>
                           <a:ea typeface="Times New Roman"/>
@@ -3765,30 +3955,40 @@
                   <a:tcPr anchor="ctr" marB="0" marT="0" marR="0" marL="0">
                     <a:lnL w="12700">
                       <a:solidFill>
-                        <a:srgbClr val="000000"/>
+                        <a:srgbClr val="000000">
+                          <a:alpha val="100000"/>
+                        </a:srgbClr>
                       </a:solidFill>
                       <a:prstDash val="solid"/>
                     </a:lnL>
                     <a:lnR w="12700">
                       <a:solidFill>
-                        <a:srgbClr val="000000"/>
+                        <a:srgbClr val="000000">
+                          <a:alpha val="100000"/>
+                        </a:srgbClr>
                       </a:solidFill>
                       <a:prstDash val="solid"/>
                     </a:lnR>
                     <a:lnT w="12700">
                       <a:solidFill>
-                        <a:srgbClr val="000000"/>
+                        <a:srgbClr val="000000">
+                          <a:alpha val="100000"/>
+                        </a:srgbClr>
                       </a:solidFill>
                       <a:prstDash val="solid"/>
                     </a:lnT>
                     <a:lnB w="12700">
                       <a:solidFill>
-                        <a:srgbClr val="000000"/>
+                        <a:srgbClr val="000000">
+                          <a:alpha val="100000"/>
+                        </a:srgbClr>
                       </a:solidFill>
                       <a:prstDash val="solid"/>
                     </a:lnB>
                     <a:solidFill>
-                      <a:srgbClr val="FFFFFF"/>
+                      <a:srgbClr val="FFFFFF">
+                        <a:alpha val="0"/>
+                      </a:srgbClr>
                     </a:solidFill>
                   </a:tcPr>
                 </a:tc>
@@ -3811,7 +4011,9 @@
                       <a:r>
                         <a:rPr sz="1100">
                           <a:solidFill>
-                            <a:srgbClr val="000000"/>
+                            <a:srgbClr val="000000">
+                              <a:alpha val="100000"/>
+                            </a:srgbClr>
                           </a:solidFill>
                           <a:latin typeface="Times New Roman"/>
                           <a:ea typeface="Times New Roman"/>
@@ -3822,7 +4024,9 @@
                       <a:r>
                         <a:rPr sz="1100">
                           <a:solidFill>
-                            <a:srgbClr val="000000"/>
+                            <a:srgbClr val="000000">
+                              <a:alpha val="100000"/>
+                            </a:srgbClr>
                           </a:solidFill>
                           <a:latin typeface="Times New Roman"/>
                           <a:ea typeface="Times New Roman"/>
@@ -3835,30 +4039,40 @@
                   <a:tcPr anchor="ctr" marB="0" marT="0" marR="0" marL="0">
                     <a:lnL w="12700">
                       <a:solidFill>
-                        <a:srgbClr val="000000"/>
+                        <a:srgbClr val="000000">
+                          <a:alpha val="100000"/>
+                        </a:srgbClr>
                       </a:solidFill>
                       <a:prstDash val="solid"/>
                     </a:lnL>
                     <a:lnR w="12700">
                       <a:solidFill>
-                        <a:srgbClr val="000000"/>
+                        <a:srgbClr val="000000">
+                          <a:alpha val="100000"/>
+                        </a:srgbClr>
                       </a:solidFill>
                       <a:prstDash val="solid"/>
                     </a:lnR>
                     <a:lnT w="12700">
                       <a:solidFill>
-                        <a:srgbClr val="000000"/>
+                        <a:srgbClr val="000000">
+                          <a:alpha val="100000"/>
+                        </a:srgbClr>
                       </a:solidFill>
                       <a:prstDash val="solid"/>
                     </a:lnT>
                     <a:lnB w="12700">
                       <a:solidFill>
-                        <a:srgbClr val="000000"/>
+                        <a:srgbClr val="000000">
+                          <a:alpha val="100000"/>
+                        </a:srgbClr>
                       </a:solidFill>
                       <a:prstDash val="solid"/>
                     </a:lnB>
                     <a:solidFill>
-                      <a:srgbClr val="FFFFFF"/>
+                      <a:srgbClr val="FFFFFF">
+                        <a:alpha val="0"/>
+                      </a:srgbClr>
                     </a:solidFill>
                   </a:tcPr>
                 </a:tc>
@@ -3879,7 +4093,9 @@
                       <a:r>
                         <a:rPr sz="1100">
                           <a:solidFill>
-                            <a:srgbClr val="000000"/>
+                            <a:srgbClr val="000000">
+                              <a:alpha val="100000"/>
+                            </a:srgbClr>
                           </a:solidFill>
                           <a:latin typeface="Times New Roman"/>
                           <a:ea typeface="Times New Roman"/>
@@ -3890,7 +4106,9 @@
                       <a:r>
                         <a:rPr sz="1100">
                           <a:solidFill>
-                            <a:srgbClr val="000000"/>
+                            <a:srgbClr val="000000">
+                              <a:alpha val="100000"/>
+                            </a:srgbClr>
                           </a:solidFill>
                           <a:latin typeface="Times New Roman"/>
                           <a:ea typeface="Times New Roman"/>
@@ -3903,30 +4121,40 @@
                   <a:tcPr anchor="ctr" marB="0" marT="0" marR="0" marL="0">
                     <a:lnL w="12700">
                       <a:solidFill>
-                        <a:srgbClr val="000000"/>
+                        <a:srgbClr val="000000">
+                          <a:alpha val="100000"/>
+                        </a:srgbClr>
                       </a:solidFill>
                       <a:prstDash val="solid"/>
                     </a:lnL>
                     <a:lnR w="12700">
                       <a:solidFill>
-                        <a:srgbClr val="000000"/>
+                        <a:srgbClr val="000000">
+                          <a:alpha val="100000"/>
+                        </a:srgbClr>
                       </a:solidFill>
                       <a:prstDash val="solid"/>
                     </a:lnR>
                     <a:lnT w="12700">
                       <a:solidFill>
-                        <a:srgbClr val="000000"/>
+                        <a:srgbClr val="000000">
+                          <a:alpha val="100000"/>
+                        </a:srgbClr>
                       </a:solidFill>
                       <a:prstDash val="solid"/>
                     </a:lnT>
                     <a:lnB w="12700">
                       <a:solidFill>
-                        <a:srgbClr val="000000"/>
+                        <a:srgbClr val="000000">
+                          <a:alpha val="100000"/>
+                        </a:srgbClr>
                       </a:solidFill>
                       <a:prstDash val="solid"/>
                     </a:lnB>
                     <a:solidFill>
-                      <a:srgbClr val="FFFFFF"/>
+                      <a:srgbClr val="FFFFFF">
+                        <a:alpha val="0"/>
+                      </a:srgbClr>
                     </a:solidFill>
                   </a:tcPr>
                 </a:tc>
@@ -3947,7 +4175,9 @@
                       <a:r>
                         <a:rPr sz="1100">
                           <a:solidFill>
-                            <a:srgbClr val="000000"/>
+                            <a:srgbClr val="000000">
+                              <a:alpha val="100000"/>
+                            </a:srgbClr>
                           </a:solidFill>
                           <a:latin typeface="Times New Roman"/>
                           <a:ea typeface="Times New Roman"/>
@@ -3958,7 +4188,9 @@
                       <a:r>
                         <a:rPr sz="1100">
                           <a:solidFill>
-                            <a:srgbClr val="000000"/>
+                            <a:srgbClr val="000000">
+                              <a:alpha val="100000"/>
+                            </a:srgbClr>
                           </a:solidFill>
                           <a:latin typeface="Times New Roman"/>
                           <a:ea typeface="Times New Roman"/>
@@ -3971,30 +4203,40 @@
                   <a:tcPr anchor="ctr" marB="0" marT="0" marR="0" marL="0">
                     <a:lnL w="12700">
                       <a:solidFill>
-                        <a:srgbClr val="000000"/>
+                        <a:srgbClr val="000000">
+                          <a:alpha val="100000"/>
+                        </a:srgbClr>
                       </a:solidFill>
                       <a:prstDash val="solid"/>
                     </a:lnL>
                     <a:lnR w="12700">
                       <a:solidFill>
-                        <a:srgbClr val="000000"/>
+                        <a:srgbClr val="000000">
+                          <a:alpha val="100000"/>
+                        </a:srgbClr>
                       </a:solidFill>
                       <a:prstDash val="solid"/>
                     </a:lnR>
                     <a:lnT w="12700">
                       <a:solidFill>
-                        <a:srgbClr val="000000"/>
+                        <a:srgbClr val="000000">
+                          <a:alpha val="100000"/>
+                        </a:srgbClr>
                       </a:solidFill>
                       <a:prstDash val="solid"/>
                     </a:lnT>
                     <a:lnB w="12700">
                       <a:solidFill>
-                        <a:srgbClr val="000000"/>
+                        <a:srgbClr val="000000">
+                          <a:alpha val="100000"/>
+                        </a:srgbClr>
                       </a:solidFill>
                       <a:prstDash val="solid"/>
                     </a:lnB>
                     <a:solidFill>
-                      <a:srgbClr val="FFFFFF"/>
+                      <a:srgbClr val="FFFFFF">
+                        <a:alpha val="0"/>
+                      </a:srgbClr>
                     </a:solidFill>
                   </a:tcPr>
                 </a:tc>
@@ -4015,7 +4257,9 @@
                       <a:r>
                         <a:rPr sz="1100">
                           <a:solidFill>
-                            <a:srgbClr val="000000"/>
+                            <a:srgbClr val="000000">
+                              <a:alpha val="100000"/>
+                            </a:srgbClr>
                           </a:solidFill>
                           <a:latin typeface="Times New Roman"/>
                           <a:ea typeface="Times New Roman"/>
@@ -4026,7 +4270,9 @@
                       <a:r>
                         <a:rPr sz="1100">
                           <a:solidFill>
-                            <a:srgbClr val="000000"/>
+                            <a:srgbClr val="000000">
+                              <a:alpha val="100000"/>
+                            </a:srgbClr>
                           </a:solidFill>
                           <a:latin typeface="Times New Roman"/>
                           <a:ea typeface="Times New Roman"/>
@@ -4039,30 +4285,40 @@
                   <a:tcPr anchor="ctr" marB="0" marT="0" marR="0" marL="0">
                     <a:lnL w="12700">
                       <a:solidFill>
-                        <a:srgbClr val="000000"/>
+                        <a:srgbClr val="000000">
+                          <a:alpha val="100000"/>
+                        </a:srgbClr>
                       </a:solidFill>
                       <a:prstDash val="solid"/>
                     </a:lnL>
                     <a:lnR w="12700">
                       <a:solidFill>
-                        <a:srgbClr val="000000"/>
+                        <a:srgbClr val="000000">
+                          <a:alpha val="100000"/>
+                        </a:srgbClr>
                       </a:solidFill>
                       <a:prstDash val="solid"/>
                     </a:lnR>
                     <a:lnT w="12700">
                       <a:solidFill>
-                        <a:srgbClr val="000000"/>
+                        <a:srgbClr val="000000">
+                          <a:alpha val="100000"/>
+                        </a:srgbClr>
                       </a:solidFill>
                       <a:prstDash val="solid"/>
                     </a:lnT>
                     <a:lnB w="12700">
                       <a:solidFill>
-                        <a:srgbClr val="000000"/>
+                        <a:srgbClr val="000000">
+                          <a:alpha val="100000"/>
+                        </a:srgbClr>
                       </a:solidFill>
                       <a:prstDash val="solid"/>
                     </a:lnB>
                     <a:solidFill>
-                      <a:srgbClr val="FFFFFF"/>
+                      <a:srgbClr val="FFFFFF">
+                        <a:alpha val="0"/>
+                      </a:srgbClr>
                     </a:solidFill>
                   </a:tcPr>
                 </a:tc>
@@ -4083,7 +4339,9 @@
                       <a:r>
                         <a:rPr sz="1100">
                           <a:solidFill>
-                            <a:srgbClr val="000000"/>
+                            <a:srgbClr val="000000">
+                              <a:alpha val="100000"/>
+                            </a:srgbClr>
                           </a:solidFill>
                           <a:latin typeface="Times New Roman"/>
                           <a:ea typeface="Times New Roman"/>
@@ -4094,7 +4352,9 @@
                       <a:r>
                         <a:rPr sz="1100">
                           <a:solidFill>
-                            <a:srgbClr val="000000"/>
+                            <a:srgbClr val="000000">
+                              <a:alpha val="100000"/>
+                            </a:srgbClr>
                           </a:solidFill>
                           <a:latin typeface="Times New Roman"/>
                           <a:ea typeface="Times New Roman"/>
@@ -4107,30 +4367,40 @@
                   <a:tcPr anchor="ctr" marB="0" marT="0" marR="0" marL="0">
                     <a:lnL w="12700">
                       <a:solidFill>
-                        <a:srgbClr val="000000"/>
+                        <a:srgbClr val="000000">
+                          <a:alpha val="100000"/>
+                        </a:srgbClr>
                       </a:solidFill>
                       <a:prstDash val="solid"/>
                     </a:lnL>
                     <a:lnR w="12700">
                       <a:solidFill>
-                        <a:srgbClr val="000000"/>
+                        <a:srgbClr val="000000">
+                          <a:alpha val="100000"/>
+                        </a:srgbClr>
                       </a:solidFill>
                       <a:prstDash val="solid"/>
                     </a:lnR>
                     <a:lnT w="12700">
                       <a:solidFill>
-                        <a:srgbClr val="000000"/>
+                        <a:srgbClr val="000000">
+                          <a:alpha val="100000"/>
+                        </a:srgbClr>
                       </a:solidFill>
                       <a:prstDash val="solid"/>
                     </a:lnT>
                     <a:lnB w="12700">
                       <a:solidFill>
-                        <a:srgbClr val="000000"/>
+                        <a:srgbClr val="000000">
+                          <a:alpha val="100000"/>
+                        </a:srgbClr>
                       </a:solidFill>
                       <a:prstDash val="solid"/>
                     </a:lnB>
                     <a:solidFill>
-                      <a:srgbClr val="FFFFFF"/>
+                      <a:srgbClr val="FFFFFF">
+                        <a:alpha val="0"/>
+                      </a:srgbClr>
                     </a:solidFill>
                   </a:tcPr>
                 </a:tc>
@@ -4153,7 +4423,9 @@
                       <a:r>
                         <a:rPr sz="1100">
                           <a:solidFill>
-                            <a:srgbClr val="000000"/>
+                            <a:srgbClr val="000000">
+                              <a:alpha val="100000"/>
+                            </a:srgbClr>
                           </a:solidFill>
                           <a:latin typeface="Times New Roman"/>
                           <a:ea typeface="Times New Roman"/>
@@ -4164,7 +4436,9 @@
                       <a:r>
                         <a:rPr sz="1100">
                           <a:solidFill>
-                            <a:srgbClr val="000000"/>
+                            <a:srgbClr val="000000">
+                              <a:alpha val="100000"/>
+                            </a:srgbClr>
                           </a:solidFill>
                           <a:latin typeface="Times New Roman"/>
                           <a:ea typeface="Times New Roman"/>
@@ -4177,30 +4451,40 @@
                   <a:tcPr anchor="ctr" marB="0" marT="0" marR="0" marL="0">
                     <a:lnL w="12700">
                       <a:solidFill>
-                        <a:srgbClr val="000000"/>
+                        <a:srgbClr val="000000">
+                          <a:alpha val="100000"/>
+                        </a:srgbClr>
                       </a:solidFill>
                       <a:prstDash val="solid"/>
                     </a:lnL>
                     <a:lnR w="12700">
                       <a:solidFill>
-                        <a:srgbClr val="000000"/>
+                        <a:srgbClr val="000000">
+                          <a:alpha val="100000"/>
+                        </a:srgbClr>
                       </a:solidFill>
                       <a:prstDash val="solid"/>
                     </a:lnR>
                     <a:lnT w="12700">
                       <a:solidFill>
-                        <a:srgbClr val="000000"/>
+                        <a:srgbClr val="000000">
+                          <a:alpha val="100000"/>
+                        </a:srgbClr>
                       </a:solidFill>
                       <a:prstDash val="solid"/>
                     </a:lnT>
                     <a:lnB w="12700">
                       <a:solidFill>
-                        <a:srgbClr val="000000"/>
+                        <a:srgbClr val="000000">
+                          <a:alpha val="100000"/>
+                        </a:srgbClr>
                       </a:solidFill>
                       <a:prstDash val="solid"/>
                     </a:lnB>
                     <a:solidFill>
-                      <a:srgbClr val="FFFFFF"/>
+                      <a:srgbClr val="FFFFFF">
+                        <a:alpha val="0"/>
+                      </a:srgbClr>
                     </a:solidFill>
                   </a:tcPr>
                 </a:tc>
@@ -4221,7 +4505,9 @@
                       <a:r>
                         <a:rPr sz="1100">
                           <a:solidFill>
-                            <a:srgbClr val="000000"/>
+                            <a:srgbClr val="000000">
+                              <a:alpha val="100000"/>
+                            </a:srgbClr>
                           </a:solidFill>
                           <a:latin typeface="Times New Roman"/>
                           <a:ea typeface="Times New Roman"/>
@@ -4232,7 +4518,9 @@
                       <a:r>
                         <a:rPr sz="1100">
                           <a:solidFill>
-                            <a:srgbClr val="000000"/>
+                            <a:srgbClr val="000000">
+                              <a:alpha val="100000"/>
+                            </a:srgbClr>
                           </a:solidFill>
                           <a:latin typeface="Times New Roman"/>
                           <a:ea typeface="Times New Roman"/>
@@ -4245,30 +4533,40 @@
                   <a:tcPr anchor="ctr" marB="0" marT="0" marR="0" marL="0">
                     <a:lnL w="12700">
                       <a:solidFill>
-                        <a:srgbClr val="000000"/>
+                        <a:srgbClr val="000000">
+                          <a:alpha val="100000"/>
+                        </a:srgbClr>
                       </a:solidFill>
                       <a:prstDash val="solid"/>
                     </a:lnL>
                     <a:lnR w="12700">
                       <a:solidFill>
-                        <a:srgbClr val="000000"/>
+                        <a:srgbClr val="000000">
+                          <a:alpha val="100000"/>
+                        </a:srgbClr>
                       </a:solidFill>
                       <a:prstDash val="solid"/>
                     </a:lnR>
                     <a:lnT w="12700">
                       <a:solidFill>
-                        <a:srgbClr val="000000"/>
+                        <a:srgbClr val="000000">
+                          <a:alpha val="100000"/>
+                        </a:srgbClr>
                       </a:solidFill>
                       <a:prstDash val="solid"/>
                     </a:lnT>
                     <a:lnB w="12700">
                       <a:solidFill>
-                        <a:srgbClr val="000000"/>
+                        <a:srgbClr val="000000">
+                          <a:alpha val="100000"/>
+                        </a:srgbClr>
                       </a:solidFill>
                       <a:prstDash val="solid"/>
                     </a:lnB>
                     <a:solidFill>
-                      <a:srgbClr val="FFFFFF"/>
+                      <a:srgbClr val="FFFFFF">
+                        <a:alpha val="0"/>
+                      </a:srgbClr>
                     </a:solidFill>
                   </a:tcPr>
                 </a:tc>
@@ -4289,7 +4587,9 @@
                       <a:r>
                         <a:rPr sz="1100">
                           <a:solidFill>
-                            <a:srgbClr val="000000"/>
+                            <a:srgbClr val="000000">
+                              <a:alpha val="100000"/>
+                            </a:srgbClr>
                           </a:solidFill>
                           <a:latin typeface="Times New Roman"/>
                           <a:ea typeface="Times New Roman"/>
@@ -4300,7 +4600,9 @@
                       <a:r>
                         <a:rPr sz="1100">
                           <a:solidFill>
-                            <a:srgbClr val="000000"/>
+                            <a:srgbClr val="000000">
+                              <a:alpha val="100000"/>
+                            </a:srgbClr>
                           </a:solidFill>
                           <a:latin typeface="Times New Roman"/>
                           <a:ea typeface="Times New Roman"/>
@@ -4313,30 +4615,40 @@
                   <a:tcPr anchor="ctr" marB="0" marT="0" marR="0" marL="0">
                     <a:lnL w="12700">
                       <a:solidFill>
-                        <a:srgbClr val="000000"/>
+                        <a:srgbClr val="000000">
+                          <a:alpha val="100000"/>
+                        </a:srgbClr>
                       </a:solidFill>
                       <a:prstDash val="solid"/>
                     </a:lnL>
                     <a:lnR w="12700">
                       <a:solidFill>
-                        <a:srgbClr val="000000"/>
+                        <a:srgbClr val="000000">
+                          <a:alpha val="100000"/>
+                        </a:srgbClr>
                       </a:solidFill>
                       <a:prstDash val="solid"/>
                     </a:lnR>
                     <a:lnT w="12700">
                       <a:solidFill>
-                        <a:srgbClr val="000000"/>
+                        <a:srgbClr val="000000">
+                          <a:alpha val="100000"/>
+                        </a:srgbClr>
                       </a:solidFill>
                       <a:prstDash val="solid"/>
                     </a:lnT>
                     <a:lnB w="12700">
                       <a:solidFill>
-                        <a:srgbClr val="000000"/>
+                        <a:srgbClr val="000000">
+                          <a:alpha val="100000"/>
+                        </a:srgbClr>
                       </a:solidFill>
                       <a:prstDash val="solid"/>
                     </a:lnB>
                     <a:solidFill>
-                      <a:srgbClr val="FFFFFF"/>
+                      <a:srgbClr val="FFFFFF">
+                        <a:alpha val="0"/>
+                      </a:srgbClr>
                     </a:solidFill>
                   </a:tcPr>
                 </a:tc>
@@ -4357,7 +4669,9 @@
                       <a:r>
                         <a:rPr sz="1100">
                           <a:solidFill>
-                            <a:srgbClr val="000000"/>
+                            <a:srgbClr val="000000">
+                              <a:alpha val="100000"/>
+                            </a:srgbClr>
                           </a:solidFill>
                           <a:latin typeface="Times New Roman"/>
                           <a:ea typeface="Times New Roman"/>
@@ -4368,7 +4682,9 @@
                       <a:r>
                         <a:rPr sz="1100">
                           <a:solidFill>
-                            <a:srgbClr val="000000"/>
+                            <a:srgbClr val="000000">
+                              <a:alpha val="100000"/>
+                            </a:srgbClr>
                           </a:solidFill>
                           <a:latin typeface="Times New Roman"/>
                           <a:ea typeface="Times New Roman"/>
@@ -4381,30 +4697,40 @@
                   <a:tcPr anchor="ctr" marB="0" marT="0" marR="0" marL="0">
                     <a:lnL w="12700">
                       <a:solidFill>
-                        <a:srgbClr val="000000"/>
+                        <a:srgbClr val="000000">
+                          <a:alpha val="100000"/>
+                        </a:srgbClr>
                       </a:solidFill>
                       <a:prstDash val="solid"/>
                     </a:lnL>
                     <a:lnR w="12700">
                       <a:solidFill>
-                        <a:srgbClr val="000000"/>
+                        <a:srgbClr val="000000">
+                          <a:alpha val="100000"/>
+                        </a:srgbClr>
                       </a:solidFill>
                       <a:prstDash val="solid"/>
                     </a:lnR>
                     <a:lnT w="12700">
                       <a:solidFill>
-                        <a:srgbClr val="000000"/>
+                        <a:srgbClr val="000000">
+                          <a:alpha val="100000"/>
+                        </a:srgbClr>
                       </a:solidFill>
                       <a:prstDash val="solid"/>
                     </a:lnT>
                     <a:lnB w="12700">
                       <a:solidFill>
-                        <a:srgbClr val="000000"/>
+                        <a:srgbClr val="000000">
+                          <a:alpha val="100000"/>
+                        </a:srgbClr>
                       </a:solidFill>
                       <a:prstDash val="solid"/>
                     </a:lnB>
                     <a:solidFill>
-                      <a:srgbClr val="FFFFFF"/>
+                      <a:srgbClr val="FFFFFF">
+                        <a:alpha val="0"/>
+                      </a:srgbClr>
                     </a:solidFill>
                   </a:tcPr>
                 </a:tc>
@@ -4425,7 +4751,9 @@
                       <a:r>
                         <a:rPr sz="1100">
                           <a:solidFill>
-                            <a:srgbClr val="000000"/>
+                            <a:srgbClr val="000000">
+                              <a:alpha val="100000"/>
+                            </a:srgbClr>
                           </a:solidFill>
                           <a:latin typeface="Times New Roman"/>
                           <a:ea typeface="Times New Roman"/>
@@ -4436,7 +4764,9 @@
                       <a:r>
                         <a:rPr sz="1100">
                           <a:solidFill>
-                            <a:srgbClr val="000000"/>
+                            <a:srgbClr val="000000">
+                              <a:alpha val="100000"/>
+                            </a:srgbClr>
                           </a:solidFill>
                           <a:latin typeface="Times New Roman"/>
                           <a:ea typeface="Times New Roman"/>
@@ -4449,30 +4779,40 @@
                   <a:tcPr anchor="ctr" marB="0" marT="0" marR="0" marL="0">
                     <a:lnL w="12700">
                       <a:solidFill>
-                        <a:srgbClr val="000000"/>
+                        <a:srgbClr val="000000">
+                          <a:alpha val="100000"/>
+                        </a:srgbClr>
                       </a:solidFill>
                       <a:prstDash val="solid"/>
                     </a:lnL>
                     <a:lnR w="12700">
                       <a:solidFill>
-                        <a:srgbClr val="000000"/>
+                        <a:srgbClr val="000000">
+                          <a:alpha val="100000"/>
+                        </a:srgbClr>
                       </a:solidFill>
                       <a:prstDash val="solid"/>
                     </a:lnR>
                     <a:lnT w="12700">
                       <a:solidFill>
-                        <a:srgbClr val="000000"/>
+                        <a:srgbClr val="000000">
+                          <a:alpha val="100000"/>
+                        </a:srgbClr>
                       </a:solidFill>
                       <a:prstDash val="solid"/>
                     </a:lnT>
                     <a:lnB w="12700">
                       <a:solidFill>
-                        <a:srgbClr val="000000"/>
+                        <a:srgbClr val="000000">
+                          <a:alpha val="100000"/>
+                        </a:srgbClr>
                       </a:solidFill>
                       <a:prstDash val="solid"/>
                     </a:lnB>
                     <a:solidFill>
-                      <a:srgbClr val="FFFFFF"/>
+                      <a:srgbClr val="FFFFFF">
+                        <a:alpha val="0"/>
+                      </a:srgbClr>
                     </a:solidFill>
                   </a:tcPr>
                 </a:tc>
@@ -4495,7 +4835,9 @@
                       <a:r>
                         <a:rPr sz="1100">
                           <a:solidFill>
-                            <a:srgbClr val="000000"/>
+                            <a:srgbClr val="000000">
+                              <a:alpha val="100000"/>
+                            </a:srgbClr>
                           </a:solidFill>
                           <a:latin typeface="Times New Roman"/>
                           <a:ea typeface="Times New Roman"/>
@@ -4506,7 +4848,9 @@
                       <a:r>
                         <a:rPr sz="1100">
                           <a:solidFill>
-                            <a:srgbClr val="000000"/>
+                            <a:srgbClr val="000000">
+                              <a:alpha val="100000"/>
+                            </a:srgbClr>
                           </a:solidFill>
                           <a:latin typeface="Times New Roman"/>
                           <a:ea typeface="Times New Roman"/>
@@ -4519,30 +4863,40 @@
                   <a:tcPr anchor="ctr" marB="0" marT="0" marR="0" marL="0">
                     <a:lnL w="12700">
                       <a:solidFill>
-                        <a:srgbClr val="000000"/>
+                        <a:srgbClr val="000000">
+                          <a:alpha val="100000"/>
+                        </a:srgbClr>
                       </a:solidFill>
                       <a:prstDash val="solid"/>
                     </a:lnL>
                     <a:lnR w="12700">
                       <a:solidFill>
-                        <a:srgbClr val="000000"/>
+                        <a:srgbClr val="000000">
+                          <a:alpha val="100000"/>
+                        </a:srgbClr>
                       </a:solidFill>
                       <a:prstDash val="solid"/>
                     </a:lnR>
                     <a:lnT w="12700">
                       <a:solidFill>
-                        <a:srgbClr val="000000"/>
+                        <a:srgbClr val="000000">
+                          <a:alpha val="100000"/>
+                        </a:srgbClr>
                       </a:solidFill>
                       <a:prstDash val="solid"/>
                     </a:lnT>
                     <a:lnB w="12700">
                       <a:solidFill>
-                        <a:srgbClr val="000000"/>
+                        <a:srgbClr val="000000">
+                          <a:alpha val="100000"/>
+                        </a:srgbClr>
                       </a:solidFill>
                       <a:prstDash val="solid"/>
                     </a:lnB>
                     <a:solidFill>
-                      <a:srgbClr val="FFFFFF"/>
+                      <a:srgbClr val="FFFFFF">
+                        <a:alpha val="0"/>
+                      </a:srgbClr>
                     </a:solidFill>
                   </a:tcPr>
                 </a:tc>
@@ -4563,7 +4917,9 @@
                       <a:r>
                         <a:rPr sz="1100">
                           <a:solidFill>
-                            <a:srgbClr val="000000"/>
+                            <a:srgbClr val="000000">
+                              <a:alpha val="100000"/>
+                            </a:srgbClr>
                           </a:solidFill>
                           <a:latin typeface="Times New Roman"/>
                           <a:ea typeface="Times New Roman"/>
@@ -4574,7 +4930,9 @@
                       <a:r>
                         <a:rPr sz="1100">
                           <a:solidFill>
-                            <a:srgbClr val="000000"/>
+                            <a:srgbClr val="000000">
+                              <a:alpha val="100000"/>
+                            </a:srgbClr>
                           </a:solidFill>
                           <a:latin typeface="Times New Roman"/>
                           <a:ea typeface="Times New Roman"/>
@@ -4587,30 +4945,40 @@
                   <a:tcPr anchor="ctr" marB="0" marT="0" marR="0" marL="0">
                     <a:lnL w="12700">
                       <a:solidFill>
-                        <a:srgbClr val="000000"/>
+                        <a:srgbClr val="000000">
+                          <a:alpha val="100000"/>
+                        </a:srgbClr>
                       </a:solidFill>
                       <a:prstDash val="solid"/>
                     </a:lnL>
                     <a:lnR w="12700">
                       <a:solidFill>
-                        <a:srgbClr val="000000"/>
+                        <a:srgbClr val="000000">
+                          <a:alpha val="100000"/>
+                        </a:srgbClr>
                       </a:solidFill>
                       <a:prstDash val="solid"/>
                     </a:lnR>
                     <a:lnT w="12700">
                       <a:solidFill>
-                        <a:srgbClr val="000000"/>
+                        <a:srgbClr val="000000">
+                          <a:alpha val="100000"/>
+                        </a:srgbClr>
                       </a:solidFill>
                       <a:prstDash val="solid"/>
                     </a:lnT>
                     <a:lnB w="12700">
                       <a:solidFill>
-                        <a:srgbClr val="000000"/>
+                        <a:srgbClr val="000000">
+                          <a:alpha val="100000"/>
+                        </a:srgbClr>
                       </a:solidFill>
                       <a:prstDash val="solid"/>
                     </a:lnB>
                     <a:solidFill>
-                      <a:srgbClr val="FFFFFF"/>
+                      <a:srgbClr val="FFFFFF">
+                        <a:alpha val="0"/>
+                      </a:srgbClr>
                     </a:solidFill>
                   </a:tcPr>
                 </a:tc>
@@ -4631,7 +4999,9 @@
                       <a:r>
                         <a:rPr sz="1100">
                           <a:solidFill>
-                            <a:srgbClr val="000000"/>
+                            <a:srgbClr val="000000">
+                              <a:alpha val="100000"/>
+                            </a:srgbClr>
                           </a:solidFill>
                           <a:latin typeface="Times New Roman"/>
                           <a:ea typeface="Times New Roman"/>
@@ -4642,7 +5012,9 @@
                       <a:r>
                         <a:rPr sz="1100">
                           <a:solidFill>
-                            <a:srgbClr val="000000"/>
+                            <a:srgbClr val="000000">
+                              <a:alpha val="100000"/>
+                            </a:srgbClr>
                           </a:solidFill>
                           <a:latin typeface="Times New Roman"/>
                           <a:ea typeface="Times New Roman"/>
@@ -4655,30 +5027,40 @@
                   <a:tcPr anchor="ctr" marB="0" marT="0" marR="0" marL="0">
                     <a:lnL w="12700">
                       <a:solidFill>
-                        <a:srgbClr val="000000"/>
+                        <a:srgbClr val="000000">
+                          <a:alpha val="100000"/>
+                        </a:srgbClr>
                       </a:solidFill>
                       <a:prstDash val="solid"/>
                     </a:lnL>
                     <a:lnR w="12700">
                       <a:solidFill>
-                        <a:srgbClr val="000000"/>
+                        <a:srgbClr val="000000">
+                          <a:alpha val="100000"/>
+                        </a:srgbClr>
                       </a:solidFill>
                       <a:prstDash val="solid"/>
                     </a:lnR>
                     <a:lnT w="12700">
                       <a:solidFill>
-                        <a:srgbClr val="000000"/>
+                        <a:srgbClr val="000000">
+                          <a:alpha val="100000"/>
+                        </a:srgbClr>
                       </a:solidFill>
                       <a:prstDash val="solid"/>
                     </a:lnT>
                     <a:lnB w="12700">
                       <a:solidFill>
-                        <a:srgbClr val="000000"/>
+                        <a:srgbClr val="000000">
+                          <a:alpha val="100000"/>
+                        </a:srgbClr>
                       </a:solidFill>
                       <a:prstDash val="solid"/>
                     </a:lnB>
                     <a:solidFill>
-                      <a:srgbClr val="FFFFFF"/>
+                      <a:srgbClr val="FFFFFF">
+                        <a:alpha val="0"/>
+                      </a:srgbClr>
                     </a:solidFill>
                   </a:tcPr>
                 </a:tc>
@@ -4699,7 +5081,9 @@
                       <a:r>
                         <a:rPr sz="1100">
                           <a:solidFill>
-                            <a:srgbClr val="000000"/>
+                            <a:srgbClr val="000000">
+                              <a:alpha val="100000"/>
+                            </a:srgbClr>
                           </a:solidFill>
                           <a:latin typeface="Times New Roman"/>
                           <a:ea typeface="Times New Roman"/>
@@ -4710,7 +5094,9 @@
                       <a:r>
                         <a:rPr sz="1100">
                           <a:solidFill>
-                            <a:srgbClr val="000000"/>
+                            <a:srgbClr val="000000">
+                              <a:alpha val="100000"/>
+                            </a:srgbClr>
                           </a:solidFill>
                           <a:latin typeface="Times New Roman"/>
                           <a:ea typeface="Times New Roman"/>
@@ -4723,30 +5109,40 @@
                   <a:tcPr anchor="ctr" marB="0" marT="0" marR="0" marL="0">
                     <a:lnL w="12700">
                       <a:solidFill>
-                        <a:srgbClr val="000000"/>
+                        <a:srgbClr val="000000">
+                          <a:alpha val="100000"/>
+                        </a:srgbClr>
                       </a:solidFill>
                       <a:prstDash val="solid"/>
                     </a:lnL>
                     <a:lnR w="12700">
                       <a:solidFill>
-                        <a:srgbClr val="000000"/>
+                        <a:srgbClr val="000000">
+                          <a:alpha val="100000"/>
+                        </a:srgbClr>
                       </a:solidFill>
                       <a:prstDash val="solid"/>
                     </a:lnR>
                     <a:lnT w="12700">
                       <a:solidFill>
-                        <a:srgbClr val="000000"/>
+                        <a:srgbClr val="000000">
+                          <a:alpha val="100000"/>
+                        </a:srgbClr>
                       </a:solidFill>
                       <a:prstDash val="solid"/>
                     </a:lnT>
                     <a:lnB w="12700">
                       <a:solidFill>
-                        <a:srgbClr val="000000"/>
+                        <a:srgbClr val="000000">
+                          <a:alpha val="100000"/>
+                        </a:srgbClr>
                       </a:solidFill>
                       <a:prstDash val="solid"/>
                     </a:lnB>
                     <a:solidFill>
-                      <a:srgbClr val="FFFFFF"/>
+                      <a:srgbClr val="FFFFFF">
+                        <a:alpha val="0"/>
+                      </a:srgbClr>
                     </a:solidFill>
                   </a:tcPr>
                 </a:tc>
@@ -4767,7 +5163,9 @@
                       <a:r>
                         <a:rPr sz="1100">
                           <a:solidFill>
-                            <a:srgbClr val="000000"/>
+                            <a:srgbClr val="000000">
+                              <a:alpha val="100000"/>
+                            </a:srgbClr>
                           </a:solidFill>
                           <a:latin typeface="Times New Roman"/>
                           <a:ea typeface="Times New Roman"/>
@@ -4778,7 +5176,9 @@
                       <a:r>
                         <a:rPr sz="1100">
                           <a:solidFill>
-                            <a:srgbClr val="000000"/>
+                            <a:srgbClr val="000000">
+                              <a:alpha val="100000"/>
+                            </a:srgbClr>
                           </a:solidFill>
                           <a:latin typeface="Times New Roman"/>
                           <a:ea typeface="Times New Roman"/>
@@ -4791,30 +5191,40 @@
                   <a:tcPr anchor="ctr" marB="0" marT="0" marR="0" marL="0">
                     <a:lnL w="12700">
                       <a:solidFill>
-                        <a:srgbClr val="000000"/>
+                        <a:srgbClr val="000000">
+                          <a:alpha val="100000"/>
+                        </a:srgbClr>
                       </a:solidFill>
                       <a:prstDash val="solid"/>
                     </a:lnL>
                     <a:lnR w="12700">
                       <a:solidFill>
-                        <a:srgbClr val="000000"/>
+                        <a:srgbClr val="000000">
+                          <a:alpha val="100000"/>
+                        </a:srgbClr>
                       </a:solidFill>
                       <a:prstDash val="solid"/>
                     </a:lnR>
                     <a:lnT w="12700">
                       <a:solidFill>
-                        <a:srgbClr val="000000"/>
+                        <a:srgbClr val="000000">
+                          <a:alpha val="100000"/>
+                        </a:srgbClr>
                       </a:solidFill>
                       <a:prstDash val="solid"/>
                     </a:lnT>
                     <a:lnB w="12700">
                       <a:solidFill>
-                        <a:srgbClr val="000000"/>
+                        <a:srgbClr val="000000">
+                          <a:alpha val="100000"/>
+                        </a:srgbClr>
                       </a:solidFill>
                       <a:prstDash val="solid"/>
                     </a:lnB>
                     <a:solidFill>
-                      <a:srgbClr val="FFFFFF"/>
+                      <a:srgbClr val="FFFFFF">
+                        <a:alpha val="0"/>
+                      </a:srgbClr>
                     </a:solidFill>
                   </a:tcPr>
                 </a:tc>
@@ -4837,7 +5247,9 @@
                       <a:r>
                         <a:rPr sz="1100">
                           <a:solidFill>
-                            <a:srgbClr val="000000"/>
+                            <a:srgbClr val="000000">
+                              <a:alpha val="100000"/>
+                            </a:srgbClr>
                           </a:solidFill>
                           <a:latin typeface="Times New Roman"/>
                           <a:ea typeface="Times New Roman"/>
@@ -4848,7 +5260,9 @@
                       <a:r>
                         <a:rPr sz="1100">
                           <a:solidFill>
-                            <a:srgbClr val="000000"/>
+                            <a:srgbClr val="000000">
+                              <a:alpha val="100000"/>
+                            </a:srgbClr>
                           </a:solidFill>
                           <a:latin typeface="Times New Roman"/>
                           <a:ea typeface="Times New Roman"/>
@@ -4861,30 +5275,40 @@
                   <a:tcPr anchor="ctr" marB="0" marT="0" marR="0" marL="0">
                     <a:lnL w="12700">
                       <a:solidFill>
-                        <a:srgbClr val="000000"/>
+                        <a:srgbClr val="000000">
+                          <a:alpha val="100000"/>
+                        </a:srgbClr>
                       </a:solidFill>
                       <a:prstDash val="solid"/>
                     </a:lnL>
                     <a:lnR w="12700">
                       <a:solidFill>
-                        <a:srgbClr val="000000"/>
+                        <a:srgbClr val="000000">
+                          <a:alpha val="100000"/>
+                        </a:srgbClr>
                       </a:solidFill>
                       <a:prstDash val="solid"/>
                     </a:lnR>
                     <a:lnT w="12700">
                       <a:solidFill>
-                        <a:srgbClr val="000000"/>
+                        <a:srgbClr val="000000">
+                          <a:alpha val="100000"/>
+                        </a:srgbClr>
                       </a:solidFill>
                       <a:prstDash val="solid"/>
                     </a:lnT>
                     <a:lnB w="12700">
                       <a:solidFill>
-                        <a:srgbClr val="000000"/>
+                        <a:srgbClr val="000000">
+                          <a:alpha val="100000"/>
+                        </a:srgbClr>
                       </a:solidFill>
                       <a:prstDash val="solid"/>
                     </a:lnB>
                     <a:solidFill>
-                      <a:srgbClr val="FFFFFF"/>
+                      <a:srgbClr val="FFFFFF">
+                        <a:alpha val="0"/>
+                      </a:srgbClr>
                     </a:solidFill>
                   </a:tcPr>
                 </a:tc>
@@ -4905,7 +5329,9 @@
                       <a:r>
                         <a:rPr sz="1100">
                           <a:solidFill>
-                            <a:srgbClr val="000000"/>
+                            <a:srgbClr val="000000">
+                              <a:alpha val="100000"/>
+                            </a:srgbClr>
                           </a:solidFill>
                           <a:latin typeface="Times New Roman"/>
                           <a:ea typeface="Times New Roman"/>
@@ -4916,7 +5342,9 @@
                       <a:r>
                         <a:rPr sz="1100">
                           <a:solidFill>
-                            <a:srgbClr val="000000"/>
+                            <a:srgbClr val="000000">
+                              <a:alpha val="100000"/>
+                            </a:srgbClr>
                           </a:solidFill>
                           <a:latin typeface="Times New Roman"/>
                           <a:ea typeface="Times New Roman"/>
@@ -4929,30 +5357,40 @@
                   <a:tcPr anchor="ctr" marB="0" marT="0" marR="0" marL="0">
                     <a:lnL w="12700">
                       <a:solidFill>
-                        <a:srgbClr val="000000"/>
+                        <a:srgbClr val="000000">
+                          <a:alpha val="100000"/>
+                        </a:srgbClr>
                       </a:solidFill>
                       <a:prstDash val="solid"/>
                     </a:lnL>
                     <a:lnR w="12700">
                       <a:solidFill>
-                        <a:srgbClr val="000000"/>
+                        <a:srgbClr val="000000">
+                          <a:alpha val="100000"/>
+                        </a:srgbClr>
                       </a:solidFill>
                       <a:prstDash val="solid"/>
                     </a:lnR>
                     <a:lnT w="12700">
                       <a:solidFill>
-                        <a:srgbClr val="000000"/>
+                        <a:srgbClr val="000000">
+                          <a:alpha val="100000"/>
+                        </a:srgbClr>
                       </a:solidFill>
                       <a:prstDash val="solid"/>
                     </a:lnT>
                     <a:lnB w="12700">
                       <a:solidFill>
-                        <a:srgbClr val="000000"/>
+                        <a:srgbClr val="000000">
+                          <a:alpha val="100000"/>
+                        </a:srgbClr>
                       </a:solidFill>
                       <a:prstDash val="solid"/>
                     </a:lnB>
                     <a:solidFill>
-                      <a:srgbClr val="FFFFFF"/>
+                      <a:srgbClr val="FFFFFF">
+                        <a:alpha val="0"/>
+                      </a:srgbClr>
                     </a:solidFill>
                   </a:tcPr>
                 </a:tc>
@@ -4973,7 +5411,9 @@
                       <a:r>
                         <a:rPr sz="1100">
                           <a:solidFill>
-                            <a:srgbClr val="000000"/>
+                            <a:srgbClr val="000000">
+                              <a:alpha val="100000"/>
+                            </a:srgbClr>
                           </a:solidFill>
                           <a:latin typeface="Times New Roman"/>
                           <a:ea typeface="Times New Roman"/>
@@ -4984,7 +5424,9 @@
                       <a:r>
                         <a:rPr sz="1100">
                           <a:solidFill>
-                            <a:srgbClr val="000000"/>
+                            <a:srgbClr val="000000">
+                              <a:alpha val="100000"/>
+                            </a:srgbClr>
                           </a:solidFill>
                           <a:latin typeface="Times New Roman"/>
                           <a:ea typeface="Times New Roman"/>
@@ -4997,30 +5439,40 @@
                   <a:tcPr anchor="ctr" marB="0" marT="0" marR="0" marL="0">
                     <a:lnL w="12700">
                       <a:solidFill>
-                        <a:srgbClr val="000000"/>
+                        <a:srgbClr val="000000">
+                          <a:alpha val="100000"/>
+                        </a:srgbClr>
                       </a:solidFill>
                       <a:prstDash val="solid"/>
                     </a:lnL>
                     <a:lnR w="12700">
                       <a:solidFill>
-                        <a:srgbClr val="000000"/>
+                        <a:srgbClr val="000000">
+                          <a:alpha val="100000"/>
+                        </a:srgbClr>
                       </a:solidFill>
                       <a:prstDash val="solid"/>
                     </a:lnR>
                     <a:lnT w="12700">
                       <a:solidFill>
-                        <a:srgbClr val="000000"/>
+                        <a:srgbClr val="000000">
+                          <a:alpha val="100000"/>
+                        </a:srgbClr>
                       </a:solidFill>
                       <a:prstDash val="solid"/>
                     </a:lnT>
                     <a:lnB w="12700">
                       <a:solidFill>
-                        <a:srgbClr val="000000"/>
+                        <a:srgbClr val="000000">
+                          <a:alpha val="100000"/>
+                        </a:srgbClr>
                       </a:solidFill>
                       <a:prstDash val="solid"/>
                     </a:lnB>
                     <a:solidFill>
-                      <a:srgbClr val="FFFFFF"/>
+                      <a:srgbClr val="FFFFFF">
+                        <a:alpha val="0"/>
+                      </a:srgbClr>
                     </a:solidFill>
                   </a:tcPr>
                 </a:tc>
@@ -5041,7 +5493,9 @@
                       <a:r>
                         <a:rPr sz="1100">
                           <a:solidFill>
-                            <a:srgbClr val="000000"/>
+                            <a:srgbClr val="000000">
+                              <a:alpha val="100000"/>
+                            </a:srgbClr>
                           </a:solidFill>
                           <a:latin typeface="Times New Roman"/>
                           <a:ea typeface="Times New Roman"/>
@@ -5052,7 +5506,9 @@
                       <a:r>
                         <a:rPr sz="1100">
                           <a:solidFill>
-                            <a:srgbClr val="000000"/>
+                            <a:srgbClr val="000000">
+                              <a:alpha val="100000"/>
+                            </a:srgbClr>
                           </a:solidFill>
                           <a:latin typeface="Times New Roman"/>
                           <a:ea typeface="Times New Roman"/>
@@ -5065,30 +5521,40 @@
                   <a:tcPr anchor="ctr" marB="0" marT="0" marR="0" marL="0">
                     <a:lnL w="12700">
                       <a:solidFill>
-                        <a:srgbClr val="000000"/>
+                        <a:srgbClr val="000000">
+                          <a:alpha val="100000"/>
+                        </a:srgbClr>
                       </a:solidFill>
                       <a:prstDash val="solid"/>
                     </a:lnL>
                     <a:lnR w="12700">
                       <a:solidFill>
-                        <a:srgbClr val="000000"/>
+                        <a:srgbClr val="000000">
+                          <a:alpha val="100000"/>
+                        </a:srgbClr>
                       </a:solidFill>
                       <a:prstDash val="solid"/>
                     </a:lnR>
                     <a:lnT w="12700">
                       <a:solidFill>
-                        <a:srgbClr val="000000"/>
+                        <a:srgbClr val="000000">
+                          <a:alpha val="100000"/>
+                        </a:srgbClr>
                       </a:solidFill>
                       <a:prstDash val="solid"/>
                     </a:lnT>
                     <a:lnB w="12700">
                       <a:solidFill>
-                        <a:srgbClr val="000000"/>
+                        <a:srgbClr val="000000">
+                          <a:alpha val="100000"/>
+                        </a:srgbClr>
                       </a:solidFill>
                       <a:prstDash val="solid"/>
                     </a:lnB>
                     <a:solidFill>
-                      <a:srgbClr val="FFFFFF"/>
+                      <a:srgbClr val="FFFFFF">
+                        <a:alpha val="0"/>
+                      </a:srgbClr>
                     </a:solidFill>
                   </a:tcPr>
                 </a:tc>
@@ -5109,7 +5575,9 @@
                       <a:r>
                         <a:rPr sz="1100">
                           <a:solidFill>
-                            <a:srgbClr val="000000"/>
+                            <a:srgbClr val="000000">
+                              <a:alpha val="100000"/>
+                            </a:srgbClr>
                           </a:solidFill>
                           <a:latin typeface="Times New Roman"/>
                           <a:ea typeface="Times New Roman"/>
@@ -5120,7 +5588,9 @@
                       <a:r>
                         <a:rPr sz="1100">
                           <a:solidFill>
-                            <a:srgbClr val="000000"/>
+                            <a:srgbClr val="000000">
+                              <a:alpha val="100000"/>
+                            </a:srgbClr>
                           </a:solidFill>
                           <a:latin typeface="Times New Roman"/>
                           <a:ea typeface="Times New Roman"/>
@@ -5133,30 +5603,40 @@
                   <a:tcPr anchor="ctr" marB="0" marT="0" marR="0" marL="0">
                     <a:lnL w="12700">
                       <a:solidFill>
-                        <a:srgbClr val="000000"/>
+                        <a:srgbClr val="000000">
+                          <a:alpha val="100000"/>
+                        </a:srgbClr>
                       </a:solidFill>
                       <a:prstDash val="solid"/>
                     </a:lnL>
                     <a:lnR w="12700">
                       <a:solidFill>
-                        <a:srgbClr val="000000"/>
+                        <a:srgbClr val="000000">
+                          <a:alpha val="100000"/>
+                        </a:srgbClr>
                       </a:solidFill>
                       <a:prstDash val="solid"/>
                     </a:lnR>
                     <a:lnT w="12700">
                       <a:solidFill>
-                        <a:srgbClr val="000000"/>
+                        <a:srgbClr val="000000">
+                          <a:alpha val="100000"/>
+                        </a:srgbClr>
                       </a:solidFill>
                       <a:prstDash val="solid"/>
                     </a:lnT>
                     <a:lnB w="12700">
                       <a:solidFill>
-                        <a:srgbClr val="000000"/>
+                        <a:srgbClr val="000000">
+                          <a:alpha val="100000"/>
+                        </a:srgbClr>
                       </a:solidFill>
                       <a:prstDash val="solid"/>
                     </a:lnB>
                     <a:solidFill>
-                      <a:srgbClr val="FFFFFF"/>
+                      <a:srgbClr val="FFFFFF">
+                        <a:alpha val="0"/>
+                      </a:srgbClr>
                     </a:solidFill>
                   </a:tcPr>
                 </a:tc>
@@ -5179,7 +5659,9 @@
                       <a:r>
                         <a:rPr sz="1100">
                           <a:solidFill>
-                            <a:srgbClr val="000000"/>
+                            <a:srgbClr val="000000">
+                              <a:alpha val="100000"/>
+                            </a:srgbClr>
                           </a:solidFill>
                           <a:latin typeface="Times New Roman"/>
                           <a:ea typeface="Times New Roman"/>
@@ -5190,7 +5672,9 @@
                       <a:r>
                         <a:rPr sz="1100">
                           <a:solidFill>
-                            <a:srgbClr val="000000"/>
+                            <a:srgbClr val="000000">
+                              <a:alpha val="100000"/>
+                            </a:srgbClr>
                           </a:solidFill>
                           <a:latin typeface="Times New Roman"/>
                           <a:ea typeface="Times New Roman"/>
@@ -5203,30 +5687,40 @@
                   <a:tcPr anchor="ctr" marB="0" marT="0" marR="0" marL="0">
                     <a:lnL w="12700">
                       <a:solidFill>
-                        <a:srgbClr val="000000"/>
+                        <a:srgbClr val="000000">
+                          <a:alpha val="100000"/>
+                        </a:srgbClr>
                       </a:solidFill>
                       <a:prstDash val="solid"/>
                     </a:lnL>
                     <a:lnR w="12700">
                       <a:solidFill>
-                        <a:srgbClr val="000000"/>
+                        <a:srgbClr val="000000">
+                          <a:alpha val="100000"/>
+                        </a:srgbClr>
                       </a:solidFill>
                       <a:prstDash val="solid"/>
                     </a:lnR>
                     <a:lnT w="12700">
                       <a:solidFill>
-                        <a:srgbClr val="000000"/>
+                        <a:srgbClr val="000000">
+                          <a:alpha val="100000"/>
+                        </a:srgbClr>
                       </a:solidFill>
                       <a:prstDash val="solid"/>
                     </a:lnT>
                     <a:lnB w="12700">
                       <a:solidFill>
-                        <a:srgbClr val="000000"/>
+                        <a:srgbClr val="000000">
+                          <a:alpha val="100000"/>
+                        </a:srgbClr>
                       </a:solidFill>
                       <a:prstDash val="solid"/>
                     </a:lnB>
                     <a:solidFill>
-                      <a:srgbClr val="FFFFFF"/>
+                      <a:srgbClr val="FFFFFF">
+                        <a:alpha val="0"/>
+                      </a:srgbClr>
                     </a:solidFill>
                   </a:tcPr>
                 </a:tc>
@@ -5247,7 +5741,9 @@
                       <a:r>
                         <a:rPr sz="1100">
                           <a:solidFill>
-                            <a:srgbClr val="000000"/>
+                            <a:srgbClr val="000000">
+                              <a:alpha val="100000"/>
+                            </a:srgbClr>
                           </a:solidFill>
                           <a:latin typeface="Times New Roman"/>
                           <a:ea typeface="Times New Roman"/>
@@ -5258,7 +5754,9 @@
                       <a:r>
                         <a:rPr sz="1100">
                           <a:solidFill>
-                            <a:srgbClr val="000000"/>
+                            <a:srgbClr val="000000">
+                              <a:alpha val="100000"/>
+                            </a:srgbClr>
                           </a:solidFill>
                           <a:latin typeface="Times New Roman"/>
                           <a:ea typeface="Times New Roman"/>
@@ -5271,30 +5769,40 @@
                   <a:tcPr anchor="ctr" marB="0" marT="0" marR="0" marL="0">
                     <a:lnL w="12700">
                       <a:solidFill>
-                        <a:srgbClr val="000000"/>
+                        <a:srgbClr val="000000">
+                          <a:alpha val="100000"/>
+                        </a:srgbClr>
                       </a:solidFill>
                       <a:prstDash val="solid"/>
                     </a:lnL>
                     <a:lnR w="12700">
                       <a:solidFill>
-                        <a:srgbClr val="000000"/>
+                        <a:srgbClr val="000000">
+                          <a:alpha val="100000"/>
+                        </a:srgbClr>
                       </a:solidFill>
                       <a:prstDash val="solid"/>
                     </a:lnR>
                     <a:lnT w="12700">
                       <a:solidFill>
-                        <a:srgbClr val="000000"/>
+                        <a:srgbClr val="000000">
+                          <a:alpha val="100000"/>
+                        </a:srgbClr>
                       </a:solidFill>
                       <a:prstDash val="solid"/>
                     </a:lnT>
                     <a:lnB w="12700">
                       <a:solidFill>
-                        <a:srgbClr val="000000"/>
+                        <a:srgbClr val="000000">
+                          <a:alpha val="100000"/>
+                        </a:srgbClr>
                       </a:solidFill>
                       <a:prstDash val="solid"/>
                     </a:lnB>
                     <a:solidFill>
-                      <a:srgbClr val="FFFFFF"/>
+                      <a:srgbClr val="FFFFFF">
+                        <a:alpha val="0"/>
+                      </a:srgbClr>
                     </a:solidFill>
                   </a:tcPr>
                 </a:tc>
@@ -5315,7 +5823,9 @@
                       <a:r>
                         <a:rPr sz="1100">
                           <a:solidFill>
-                            <a:srgbClr val="000000"/>
+                            <a:srgbClr val="000000">
+                              <a:alpha val="100000"/>
+                            </a:srgbClr>
                           </a:solidFill>
                           <a:latin typeface="Times New Roman"/>
                           <a:ea typeface="Times New Roman"/>
@@ -5326,7 +5836,9 @@
                       <a:r>
                         <a:rPr sz="1100">
                           <a:solidFill>
-                            <a:srgbClr val="000000"/>
+                            <a:srgbClr val="000000">
+                              <a:alpha val="100000"/>
+                            </a:srgbClr>
                           </a:solidFill>
                           <a:latin typeface="Times New Roman"/>
                           <a:ea typeface="Times New Roman"/>
@@ -5339,30 +5851,40 @@
                   <a:tcPr anchor="ctr" marB="0" marT="0" marR="0" marL="0">
                     <a:lnL w="12700">
                       <a:solidFill>
-                        <a:srgbClr val="000000"/>
+                        <a:srgbClr val="000000">
+                          <a:alpha val="100000"/>
+                        </a:srgbClr>
                       </a:solidFill>
                       <a:prstDash val="solid"/>
                     </a:lnL>
                     <a:lnR w="12700">
                       <a:solidFill>
-                        <a:srgbClr val="000000"/>
+                        <a:srgbClr val="000000">
+                          <a:alpha val="100000"/>
+                        </a:srgbClr>
                       </a:solidFill>
                       <a:prstDash val="solid"/>
                     </a:lnR>
                     <a:lnT w="12700">
                       <a:solidFill>
-                        <a:srgbClr val="000000"/>
+                        <a:srgbClr val="000000">
+                          <a:alpha val="100000"/>
+                        </a:srgbClr>
                       </a:solidFill>
                       <a:prstDash val="solid"/>
                     </a:lnT>
                     <a:lnB w="12700">
                       <a:solidFill>
-                        <a:srgbClr val="000000"/>
+                        <a:srgbClr val="000000">
+                          <a:alpha val="100000"/>
+                        </a:srgbClr>
                       </a:solidFill>
                       <a:prstDash val="solid"/>
                     </a:lnB>
                     <a:solidFill>
-                      <a:srgbClr val="FFFFFF"/>
+                      <a:srgbClr val="FFFFFF">
+                        <a:alpha val="0"/>
+                      </a:srgbClr>
                     </a:solidFill>
                   </a:tcPr>
                 </a:tc>
@@ -5383,7 +5905,9 @@
                       <a:r>
                         <a:rPr sz="1100">
                           <a:solidFill>
-                            <a:srgbClr val="000000"/>
+                            <a:srgbClr val="000000">
+                              <a:alpha val="100000"/>
+                            </a:srgbClr>
                           </a:solidFill>
                           <a:latin typeface="Times New Roman"/>
                           <a:ea typeface="Times New Roman"/>
@@ -5394,7 +5918,9 @@
                       <a:r>
                         <a:rPr sz="1100">
                           <a:solidFill>
-                            <a:srgbClr val="000000"/>
+                            <a:srgbClr val="000000">
+                              <a:alpha val="100000"/>
+                            </a:srgbClr>
                           </a:solidFill>
                           <a:latin typeface="Times New Roman"/>
                           <a:ea typeface="Times New Roman"/>
@@ -5407,30 +5933,40 @@
                   <a:tcPr anchor="ctr" marB="0" marT="0" marR="0" marL="0">
                     <a:lnL w="12700">
                       <a:solidFill>
-                        <a:srgbClr val="000000"/>
+                        <a:srgbClr val="000000">
+                          <a:alpha val="100000"/>
+                        </a:srgbClr>
                       </a:solidFill>
                       <a:prstDash val="solid"/>
                     </a:lnL>
                     <a:lnR w="12700">
                       <a:solidFill>
-                        <a:srgbClr val="000000"/>
+                        <a:srgbClr val="000000">
+                          <a:alpha val="100000"/>
+                        </a:srgbClr>
                       </a:solidFill>
                       <a:prstDash val="solid"/>
                     </a:lnR>
                     <a:lnT w="12700">
                       <a:solidFill>
-                        <a:srgbClr val="000000"/>
+                        <a:srgbClr val="000000">
+                          <a:alpha val="100000"/>
+                        </a:srgbClr>
                       </a:solidFill>
                       <a:prstDash val="solid"/>
                     </a:lnT>
                     <a:lnB w="12700">
                       <a:solidFill>
-                        <a:srgbClr val="000000"/>
+                        <a:srgbClr val="000000">
+                          <a:alpha val="100000"/>
+                        </a:srgbClr>
                       </a:solidFill>
                       <a:prstDash val="solid"/>
                     </a:lnB>
                     <a:solidFill>
-                      <a:srgbClr val="FFFFFF"/>
+                      <a:srgbClr val="FFFFFF">
+                        <a:alpha val="0"/>
+                      </a:srgbClr>
                     </a:solidFill>
                   </a:tcPr>
                 </a:tc>
@@ -5451,7 +5987,9 @@
                       <a:r>
                         <a:rPr sz="1100">
                           <a:solidFill>
-                            <a:srgbClr val="000000"/>
+                            <a:srgbClr val="000000">
+                              <a:alpha val="100000"/>
+                            </a:srgbClr>
                           </a:solidFill>
                           <a:latin typeface="Times New Roman"/>
                           <a:ea typeface="Times New Roman"/>
@@ -5462,7 +6000,9 @@
                       <a:r>
                         <a:rPr sz="1100">
                           <a:solidFill>
-                            <a:srgbClr val="000000"/>
+                            <a:srgbClr val="000000">
+                              <a:alpha val="100000"/>
+                            </a:srgbClr>
                           </a:solidFill>
                           <a:latin typeface="Times New Roman"/>
                           <a:ea typeface="Times New Roman"/>
@@ -5475,30 +6015,40 @@
                   <a:tcPr anchor="ctr" marB="0" marT="0" marR="0" marL="0">
                     <a:lnL w="12700">
                       <a:solidFill>
-                        <a:srgbClr val="000000"/>
+                        <a:srgbClr val="000000">
+                          <a:alpha val="100000"/>
+                        </a:srgbClr>
                       </a:solidFill>
                       <a:prstDash val="solid"/>
                     </a:lnL>
                     <a:lnR w="12700">
                       <a:solidFill>
-                        <a:srgbClr val="000000"/>
+                        <a:srgbClr val="000000">
+                          <a:alpha val="100000"/>
+                        </a:srgbClr>
                       </a:solidFill>
                       <a:prstDash val="solid"/>
                     </a:lnR>
                     <a:lnT w="12700">
                       <a:solidFill>
-                        <a:srgbClr val="000000"/>
+                        <a:srgbClr val="000000">
+                          <a:alpha val="100000"/>
+                        </a:srgbClr>
                       </a:solidFill>
                       <a:prstDash val="solid"/>
                     </a:lnT>
                     <a:lnB w="12700">
                       <a:solidFill>
-                        <a:srgbClr val="000000"/>
+                        <a:srgbClr val="000000">
+                          <a:alpha val="100000"/>
+                        </a:srgbClr>
                       </a:solidFill>
                       <a:prstDash val="solid"/>
                     </a:lnB>
                     <a:solidFill>
-                      <a:srgbClr val="FFFFFF"/>
+                      <a:srgbClr val="FFFFFF">
+                        <a:alpha val="0"/>
+                      </a:srgbClr>
                     </a:solidFill>
                   </a:tcPr>
                 </a:tc>
@@ -5521,7 +6071,9 @@
                       <a:r>
                         <a:rPr sz="1100">
                           <a:solidFill>
-                            <a:srgbClr val="000000"/>
+                            <a:srgbClr val="000000">
+                              <a:alpha val="100000"/>
+                            </a:srgbClr>
                           </a:solidFill>
                           <a:latin typeface="Times New Roman"/>
                           <a:ea typeface="Times New Roman"/>
@@ -5532,7 +6084,9 @@
                       <a:r>
                         <a:rPr sz="1100">
                           <a:solidFill>
-                            <a:srgbClr val="000000"/>
+                            <a:srgbClr val="000000">
+                              <a:alpha val="100000"/>
+                            </a:srgbClr>
                           </a:solidFill>
                           <a:latin typeface="Times New Roman"/>
                           <a:ea typeface="Times New Roman"/>
@@ -5545,30 +6099,40 @@
                   <a:tcPr anchor="ctr" marB="0" marT="0" marR="0" marL="0">
                     <a:lnL w="12700">
                       <a:solidFill>
-                        <a:srgbClr val="000000"/>
+                        <a:srgbClr val="000000">
+                          <a:alpha val="100000"/>
+                        </a:srgbClr>
                       </a:solidFill>
                       <a:prstDash val="solid"/>
                     </a:lnL>
                     <a:lnR w="12700">
                       <a:solidFill>
-                        <a:srgbClr val="000000"/>
+                        <a:srgbClr val="000000">
+                          <a:alpha val="100000"/>
+                        </a:srgbClr>
                       </a:solidFill>
                       <a:prstDash val="solid"/>
                     </a:lnR>
                     <a:lnT w="12700">
                       <a:solidFill>
-                        <a:srgbClr val="000000"/>
+                        <a:srgbClr val="000000">
+                          <a:alpha val="100000"/>
+                        </a:srgbClr>
                       </a:solidFill>
                       <a:prstDash val="solid"/>
                     </a:lnT>
                     <a:lnB w="12700">
                       <a:solidFill>
-                        <a:srgbClr val="000000"/>
+                        <a:srgbClr val="000000">
+                          <a:alpha val="100000"/>
+                        </a:srgbClr>
                       </a:solidFill>
                       <a:prstDash val="solid"/>
                     </a:lnB>
                     <a:solidFill>
-                      <a:srgbClr val="FFFFFF"/>
+                      <a:srgbClr val="FFFFFF">
+                        <a:alpha val="0"/>
+                      </a:srgbClr>
                     </a:solidFill>
                   </a:tcPr>
                 </a:tc>
@@ -5589,7 +6153,9 @@
                       <a:r>
                         <a:rPr sz="1100">
                           <a:solidFill>
-                            <a:srgbClr val="000000"/>
+                            <a:srgbClr val="000000">
+                              <a:alpha val="100000"/>
+                            </a:srgbClr>
                           </a:solidFill>
                           <a:latin typeface="Times New Roman"/>
                           <a:ea typeface="Times New Roman"/>
@@ -5600,7 +6166,9 @@
                       <a:r>
                         <a:rPr sz="1100">
                           <a:solidFill>
-                            <a:srgbClr val="000000"/>
+                            <a:srgbClr val="000000">
+                              <a:alpha val="100000"/>
+                            </a:srgbClr>
                           </a:solidFill>
                           <a:latin typeface="Times New Roman"/>
                           <a:ea typeface="Times New Roman"/>
@@ -5613,30 +6181,40 @@
                   <a:tcPr anchor="ctr" marB="0" marT="0" marR="0" marL="0">
                     <a:lnL w="12700">
                       <a:solidFill>
-                        <a:srgbClr val="000000"/>
+                        <a:srgbClr val="000000">
+                          <a:alpha val="100000"/>
+                        </a:srgbClr>
                       </a:solidFill>
                       <a:prstDash val="solid"/>
                     </a:lnL>
                     <a:lnR w="12700">
                       <a:solidFill>
-                        <a:srgbClr val="000000"/>
+                        <a:srgbClr val="000000">
+                          <a:alpha val="100000"/>
+                        </a:srgbClr>
                       </a:solidFill>
                       <a:prstDash val="solid"/>
                     </a:lnR>
                     <a:lnT w="12700">
                       <a:solidFill>
-                        <a:srgbClr val="000000"/>
+                        <a:srgbClr val="000000">
+                          <a:alpha val="100000"/>
+                        </a:srgbClr>
                       </a:solidFill>
                       <a:prstDash val="solid"/>
                     </a:lnT>
                     <a:lnB w="12700">
                       <a:solidFill>
-                        <a:srgbClr val="000000"/>
+                        <a:srgbClr val="000000">
+                          <a:alpha val="100000"/>
+                        </a:srgbClr>
                       </a:solidFill>
                       <a:prstDash val="solid"/>
                     </a:lnB>
                     <a:solidFill>
-                      <a:srgbClr val="FFFFFF"/>
+                      <a:srgbClr val="FFFFFF">
+                        <a:alpha val="0"/>
+                      </a:srgbClr>
                     </a:solidFill>
                   </a:tcPr>
                 </a:tc>
@@ -5657,7 +6235,9 @@
                       <a:r>
                         <a:rPr sz="1100">
                           <a:solidFill>
-                            <a:srgbClr val="000000"/>
+                            <a:srgbClr val="000000">
+                              <a:alpha val="100000"/>
+                            </a:srgbClr>
                           </a:solidFill>
                           <a:latin typeface="Times New Roman"/>
                           <a:ea typeface="Times New Roman"/>
@@ -5668,7 +6248,9 @@
                       <a:r>
                         <a:rPr sz="1100">
                           <a:solidFill>
-                            <a:srgbClr val="000000"/>
+                            <a:srgbClr val="000000">
+                              <a:alpha val="100000"/>
+                            </a:srgbClr>
                           </a:solidFill>
                           <a:latin typeface="Times New Roman"/>
                           <a:ea typeface="Times New Roman"/>
@@ -5681,30 +6263,40 @@
                   <a:tcPr anchor="ctr" marB="0" marT="0" marR="0" marL="0">
                     <a:lnL w="12700">
                       <a:solidFill>
-                        <a:srgbClr val="000000"/>
+                        <a:srgbClr val="000000">
+                          <a:alpha val="100000"/>
+                        </a:srgbClr>
                       </a:solidFill>
                       <a:prstDash val="solid"/>
                     </a:lnL>
                     <a:lnR w="12700">
                       <a:solidFill>
-                        <a:srgbClr val="000000"/>
+                        <a:srgbClr val="000000">
+                          <a:alpha val="100000"/>
+                        </a:srgbClr>
                       </a:solidFill>
                       <a:prstDash val="solid"/>
                     </a:lnR>
                     <a:lnT w="12700">
                       <a:solidFill>
-                        <a:srgbClr val="000000"/>
+                        <a:srgbClr val="000000">
+                          <a:alpha val="100000"/>
+                        </a:srgbClr>
                       </a:solidFill>
                       <a:prstDash val="solid"/>
                     </a:lnT>
                     <a:lnB w="12700">
                       <a:solidFill>
-                        <a:srgbClr val="000000"/>
+                        <a:srgbClr val="000000">
+                          <a:alpha val="100000"/>
+                        </a:srgbClr>
                       </a:solidFill>
                       <a:prstDash val="solid"/>
                     </a:lnB>
                     <a:solidFill>
-                      <a:srgbClr val="FFFFFF"/>
+                      <a:srgbClr val="FFFFFF">
+                        <a:alpha val="0"/>
+                      </a:srgbClr>
                     </a:solidFill>
                   </a:tcPr>
                 </a:tc>
@@ -5725,7 +6317,9 @@
                       <a:r>
                         <a:rPr sz="1100">
                           <a:solidFill>
-                            <a:srgbClr val="000000"/>
+                            <a:srgbClr val="000000">
+                              <a:alpha val="100000"/>
+                            </a:srgbClr>
                           </a:solidFill>
                           <a:latin typeface="Times New Roman"/>
                           <a:ea typeface="Times New Roman"/>
@@ -5736,7 +6330,9 @@
                       <a:r>
                         <a:rPr sz="1100">
                           <a:solidFill>
-                            <a:srgbClr val="000000"/>
+                            <a:srgbClr val="000000">
+                              <a:alpha val="100000"/>
+                            </a:srgbClr>
                           </a:solidFill>
                           <a:latin typeface="Times New Roman"/>
                           <a:ea typeface="Times New Roman"/>
@@ -5749,30 +6345,40 @@
                   <a:tcPr anchor="ctr" marB="0" marT="0" marR="0" marL="0">
                     <a:lnL w="12700">
                       <a:solidFill>
-                        <a:srgbClr val="000000"/>
+                        <a:srgbClr val="000000">
+                          <a:alpha val="100000"/>
+                        </a:srgbClr>
                       </a:solidFill>
                       <a:prstDash val="solid"/>
                     </a:lnL>
                     <a:lnR w="12700">
                       <a:solidFill>
-                        <a:srgbClr val="000000"/>
+                        <a:srgbClr val="000000">
+                          <a:alpha val="100000"/>
+                        </a:srgbClr>
                       </a:solidFill>
                       <a:prstDash val="solid"/>
                     </a:lnR>
                     <a:lnT w="12700">
                       <a:solidFill>
-                        <a:srgbClr val="000000"/>
+                        <a:srgbClr val="000000">
+                          <a:alpha val="100000"/>
+                        </a:srgbClr>
                       </a:solidFill>
                       <a:prstDash val="solid"/>
                     </a:lnT>
                     <a:lnB w="12700">
                       <a:solidFill>
-                        <a:srgbClr val="000000"/>
+                        <a:srgbClr val="000000">
+                          <a:alpha val="100000"/>
+                        </a:srgbClr>
                       </a:solidFill>
                       <a:prstDash val="solid"/>
                     </a:lnB>
                     <a:solidFill>
-                      <a:srgbClr val="FFFFFF"/>
+                      <a:srgbClr val="FFFFFF">
+                        <a:alpha val="0"/>
+                      </a:srgbClr>
                     </a:solidFill>
                   </a:tcPr>
                 </a:tc>
@@ -5793,7 +6399,9 @@
                       <a:r>
                         <a:rPr sz="1100">
                           <a:solidFill>
-                            <a:srgbClr val="000000"/>
+                            <a:srgbClr val="000000">
+                              <a:alpha val="100000"/>
+                            </a:srgbClr>
                           </a:solidFill>
                           <a:latin typeface="Times New Roman"/>
                           <a:ea typeface="Times New Roman"/>
@@ -5804,7 +6412,9 @@
                       <a:r>
                         <a:rPr sz="1100">
                           <a:solidFill>
-                            <a:srgbClr val="000000"/>
+                            <a:srgbClr val="000000">
+                              <a:alpha val="100000"/>
+                            </a:srgbClr>
                           </a:solidFill>
                           <a:latin typeface="Times New Roman"/>
                           <a:ea typeface="Times New Roman"/>
@@ -5817,30 +6427,40 @@
                   <a:tcPr anchor="ctr" marB="0" marT="0" marR="0" marL="0">
                     <a:lnL w="12700">
                       <a:solidFill>
-                        <a:srgbClr val="000000"/>
+                        <a:srgbClr val="000000">
+                          <a:alpha val="100000"/>
+                        </a:srgbClr>
                       </a:solidFill>
                       <a:prstDash val="solid"/>
                     </a:lnL>
                     <a:lnR w="12700">
                       <a:solidFill>
-                        <a:srgbClr val="000000"/>
+                        <a:srgbClr val="000000">
+                          <a:alpha val="100000"/>
+                        </a:srgbClr>
                       </a:solidFill>
                       <a:prstDash val="solid"/>
                     </a:lnR>
                     <a:lnT w="12700">
                       <a:solidFill>
-                        <a:srgbClr val="000000"/>
+                        <a:srgbClr val="000000">
+                          <a:alpha val="100000"/>
+                        </a:srgbClr>
                       </a:solidFill>
                       <a:prstDash val="solid"/>
                     </a:lnT>
                     <a:lnB w="12700">
                       <a:solidFill>
-                        <a:srgbClr val="000000"/>
+                        <a:srgbClr val="000000">
+                          <a:alpha val="100000"/>
+                        </a:srgbClr>
                       </a:solidFill>
                       <a:prstDash val="solid"/>
                     </a:lnB>
                     <a:solidFill>
-                      <a:srgbClr val="FFFFFF"/>
+                      <a:srgbClr val="FFFFFF">
+                        <a:alpha val="0"/>
+                      </a:srgbClr>
                     </a:solidFill>
                   </a:tcPr>
                 </a:tc>
@@ -5863,7 +6483,9 @@
                       <a:r>
                         <a:rPr sz="1100">
                           <a:solidFill>
-                            <a:srgbClr val="000000"/>
+                            <a:srgbClr val="000000">
+                              <a:alpha val="100000"/>
+                            </a:srgbClr>
                           </a:solidFill>
                           <a:latin typeface="Times New Roman"/>
                           <a:ea typeface="Times New Roman"/>
@@ -5874,7 +6496,9 @@
                       <a:r>
                         <a:rPr sz="1100">
                           <a:solidFill>
-                            <a:srgbClr val="000000"/>
+                            <a:srgbClr val="000000">
+                              <a:alpha val="100000"/>
+                            </a:srgbClr>
                           </a:solidFill>
                           <a:latin typeface="Times New Roman"/>
                           <a:ea typeface="Times New Roman"/>
@@ -5887,30 +6511,40 @@
                   <a:tcPr anchor="ctr" marB="0" marT="0" marR="0" marL="0">
                     <a:lnL w="12700">
                       <a:solidFill>
-                        <a:srgbClr val="000000"/>
+                        <a:srgbClr val="000000">
+                          <a:alpha val="100000"/>
+                        </a:srgbClr>
                       </a:solidFill>
                       <a:prstDash val="solid"/>
                     </a:lnL>
                     <a:lnR w="12700">
                       <a:solidFill>
-                        <a:srgbClr val="000000"/>
+                        <a:srgbClr val="000000">
+                          <a:alpha val="100000"/>
+                        </a:srgbClr>
                       </a:solidFill>
                       <a:prstDash val="solid"/>
                     </a:lnR>
                     <a:lnT w="12700">
                       <a:solidFill>
-                        <a:srgbClr val="000000"/>
+                        <a:srgbClr val="000000">
+                          <a:alpha val="100000"/>
+                        </a:srgbClr>
                       </a:solidFill>
                       <a:prstDash val="solid"/>
                     </a:lnT>
                     <a:lnB w="12700">
                       <a:solidFill>
-                        <a:srgbClr val="000000"/>
+                        <a:srgbClr val="000000">
+                          <a:alpha val="100000"/>
+                        </a:srgbClr>
                       </a:solidFill>
                       <a:prstDash val="solid"/>
                     </a:lnB>
                     <a:solidFill>
-                      <a:srgbClr val="FFFFFF"/>
+                      <a:srgbClr val="FFFFFF">
+                        <a:alpha val="0"/>
+                      </a:srgbClr>
                     </a:solidFill>
                   </a:tcPr>
                 </a:tc>
@@ -5931,7 +6565,9 @@
                       <a:r>
                         <a:rPr sz="1100">
                           <a:solidFill>
-                            <a:srgbClr val="000000"/>
+                            <a:srgbClr val="000000">
+                              <a:alpha val="100000"/>
+                            </a:srgbClr>
                           </a:solidFill>
                           <a:latin typeface="Times New Roman"/>
                           <a:ea typeface="Times New Roman"/>
@@ -5942,7 +6578,9 @@
                       <a:r>
                         <a:rPr sz="1100">
                           <a:solidFill>
-                            <a:srgbClr val="000000"/>
+                            <a:srgbClr val="000000">
+                              <a:alpha val="100000"/>
+                            </a:srgbClr>
                           </a:solidFill>
                           <a:latin typeface="Times New Roman"/>
                           <a:ea typeface="Times New Roman"/>
@@ -5955,30 +6593,40 @@
                   <a:tcPr anchor="ctr" marB="0" marT="0" marR="0" marL="0">
                     <a:lnL w="12700">
                       <a:solidFill>
-                        <a:srgbClr val="000000"/>
+                        <a:srgbClr val="000000">
+                          <a:alpha val="100000"/>
+                        </a:srgbClr>
                       </a:solidFill>
                       <a:prstDash val="solid"/>
                     </a:lnL>
                     <a:lnR w="12700">
                       <a:solidFill>
-                        <a:srgbClr val="000000"/>
+                        <a:srgbClr val="000000">
+                          <a:alpha val="100000"/>
+                        </a:srgbClr>
                       </a:solidFill>
                       <a:prstDash val="solid"/>
                     </a:lnR>
                     <a:lnT w="12700">
                       <a:solidFill>
-                        <a:srgbClr val="000000"/>
+                        <a:srgbClr val="000000">
+                          <a:alpha val="100000"/>
+                        </a:srgbClr>
                       </a:solidFill>
                       <a:prstDash val="solid"/>
                     </a:lnT>
                     <a:lnB w="12700">
                       <a:solidFill>
-                        <a:srgbClr val="000000"/>
+                        <a:srgbClr val="000000">
+                          <a:alpha val="100000"/>
+                        </a:srgbClr>
                       </a:solidFill>
                       <a:prstDash val="solid"/>
                     </a:lnB>
                     <a:solidFill>
-                      <a:srgbClr val="FFFFFF"/>
+                      <a:srgbClr val="FFFFFF">
+                        <a:alpha val="0"/>
+                      </a:srgbClr>
                     </a:solidFill>
                   </a:tcPr>
                 </a:tc>
@@ -5999,7 +6647,9 @@
                       <a:r>
                         <a:rPr sz="1100">
                           <a:solidFill>
-                            <a:srgbClr val="000000"/>
+                            <a:srgbClr val="000000">
+                              <a:alpha val="100000"/>
+                            </a:srgbClr>
                           </a:solidFill>
                           <a:latin typeface="Times New Roman"/>
                           <a:ea typeface="Times New Roman"/>
@@ -6010,7 +6660,9 @@
                       <a:r>
                         <a:rPr sz="1100">
                           <a:solidFill>
-                            <a:srgbClr val="000000"/>
+                            <a:srgbClr val="000000">
+                              <a:alpha val="100000"/>
+                            </a:srgbClr>
                           </a:solidFill>
                           <a:latin typeface="Times New Roman"/>
                           <a:ea typeface="Times New Roman"/>
@@ -6023,30 +6675,40 @@
                   <a:tcPr anchor="ctr" marB="0" marT="0" marR="0" marL="0">
                     <a:lnL w="12700">
                       <a:solidFill>
-                        <a:srgbClr val="000000"/>
+                        <a:srgbClr val="000000">
+                          <a:alpha val="100000"/>
+                        </a:srgbClr>
                       </a:solidFill>
                       <a:prstDash val="solid"/>
                     </a:lnL>
                     <a:lnR w="12700">
                       <a:solidFill>
-                        <a:srgbClr val="000000"/>
+                        <a:srgbClr val="000000">
+                          <a:alpha val="100000"/>
+                        </a:srgbClr>
                       </a:solidFill>
                       <a:prstDash val="solid"/>
                     </a:lnR>
                     <a:lnT w="12700">
                       <a:solidFill>
-                        <a:srgbClr val="000000"/>
+                        <a:srgbClr val="000000">
+                          <a:alpha val="100000"/>
+                        </a:srgbClr>
                       </a:solidFill>
                       <a:prstDash val="solid"/>
                     </a:lnT>
                     <a:lnB w="12700">
                       <a:solidFill>
-                        <a:srgbClr val="000000"/>
+                        <a:srgbClr val="000000">
+                          <a:alpha val="100000"/>
+                        </a:srgbClr>
                       </a:solidFill>
                       <a:prstDash val="solid"/>
                     </a:lnB>
                     <a:solidFill>
-                      <a:srgbClr val="FFFFFF"/>
+                      <a:srgbClr val="FFFFFF">
+                        <a:alpha val="0"/>
+                      </a:srgbClr>
                     </a:solidFill>
                   </a:tcPr>
                 </a:tc>
@@ -6067,7 +6729,9 @@
                       <a:r>
                         <a:rPr sz="1100">
                           <a:solidFill>
-                            <a:srgbClr val="000000"/>
+                            <a:srgbClr val="000000">
+                              <a:alpha val="100000"/>
+                            </a:srgbClr>
                           </a:solidFill>
                           <a:latin typeface="Times New Roman"/>
                           <a:ea typeface="Times New Roman"/>
@@ -6078,7 +6742,9 @@
                       <a:r>
                         <a:rPr sz="1100">
                           <a:solidFill>
-                            <a:srgbClr val="000000"/>
+                            <a:srgbClr val="000000">
+                              <a:alpha val="100000"/>
+                            </a:srgbClr>
                           </a:solidFill>
                           <a:latin typeface="Times New Roman"/>
                           <a:ea typeface="Times New Roman"/>
@@ -6091,30 +6757,40 @@
                   <a:tcPr anchor="ctr" marB="0" marT="0" marR="0" marL="0">
                     <a:lnL w="12700">
                       <a:solidFill>
-                        <a:srgbClr val="000000"/>
+                        <a:srgbClr val="000000">
+                          <a:alpha val="100000"/>
+                        </a:srgbClr>
                       </a:solidFill>
                       <a:prstDash val="solid"/>
                     </a:lnL>
                     <a:lnR w="12700">
                       <a:solidFill>
-                        <a:srgbClr val="000000"/>
+                        <a:srgbClr val="000000">
+                          <a:alpha val="100000"/>
+                        </a:srgbClr>
                       </a:solidFill>
                       <a:prstDash val="solid"/>
                     </a:lnR>
                     <a:lnT w="12700">
                       <a:solidFill>
-                        <a:srgbClr val="000000"/>
+                        <a:srgbClr val="000000">
+                          <a:alpha val="100000"/>
+                        </a:srgbClr>
                       </a:solidFill>
                       <a:prstDash val="solid"/>
                     </a:lnT>
                     <a:lnB w="12700">
                       <a:solidFill>
-                        <a:srgbClr val="000000"/>
+                        <a:srgbClr val="000000">
+                          <a:alpha val="100000"/>
+                        </a:srgbClr>
                       </a:solidFill>
                       <a:prstDash val="solid"/>
                     </a:lnB>
                     <a:solidFill>
-                      <a:srgbClr val="FFFFFF"/>
+                      <a:srgbClr val="FFFFFF">
+                        <a:alpha val="0"/>
+                      </a:srgbClr>
                     </a:solidFill>
                   </a:tcPr>
                 </a:tc>
@@ -6135,7 +6811,9 @@
                       <a:r>
                         <a:rPr sz="1100">
                           <a:solidFill>
-                            <a:srgbClr val="000000"/>
+                            <a:srgbClr val="000000">
+                              <a:alpha val="100000"/>
+                            </a:srgbClr>
                           </a:solidFill>
                           <a:latin typeface="Times New Roman"/>
                           <a:ea typeface="Times New Roman"/>
@@ -6146,7 +6824,9 @@
                       <a:r>
                         <a:rPr sz="1100">
                           <a:solidFill>
-                            <a:srgbClr val="000000"/>
+                            <a:srgbClr val="000000">
+                              <a:alpha val="100000"/>
+                            </a:srgbClr>
                           </a:solidFill>
                           <a:latin typeface="Times New Roman"/>
                           <a:ea typeface="Times New Roman"/>
@@ -6159,30 +6839,40 @@
                   <a:tcPr anchor="ctr" marB="0" marT="0" marR="0" marL="0">
                     <a:lnL w="12700">
                       <a:solidFill>
-                        <a:srgbClr val="000000"/>
+                        <a:srgbClr val="000000">
+                          <a:alpha val="100000"/>
+                        </a:srgbClr>
                       </a:solidFill>
                       <a:prstDash val="solid"/>
                     </a:lnL>
                     <a:lnR w="12700">
                       <a:solidFill>
-                        <a:srgbClr val="000000"/>
+                        <a:srgbClr val="000000">
+                          <a:alpha val="100000"/>
+                        </a:srgbClr>
                       </a:solidFill>
                       <a:prstDash val="solid"/>
                     </a:lnR>
                     <a:lnT w="12700">
                       <a:solidFill>
-                        <a:srgbClr val="000000"/>
+                        <a:srgbClr val="000000">
+                          <a:alpha val="100000"/>
+                        </a:srgbClr>
                       </a:solidFill>
                       <a:prstDash val="solid"/>
                     </a:lnT>
                     <a:lnB w="12700">
                       <a:solidFill>
-                        <a:srgbClr val="000000"/>
+                        <a:srgbClr val="000000">
+                          <a:alpha val="100000"/>
+                        </a:srgbClr>
                       </a:solidFill>
                       <a:prstDash val="solid"/>
                     </a:lnB>
                     <a:solidFill>
-                      <a:srgbClr val="FFFFFF"/>
+                      <a:srgbClr val="FFFFFF">
+                        <a:alpha val="0"/>
+                      </a:srgbClr>
                     </a:solidFill>
                   </a:tcPr>
                 </a:tc>
@@ -6205,7 +6895,9 @@
                       <a:r>
                         <a:rPr sz="1100">
                           <a:solidFill>
-                            <a:srgbClr val="000000"/>
+                            <a:srgbClr val="000000">
+                              <a:alpha val="100000"/>
+                            </a:srgbClr>
                           </a:solidFill>
                           <a:latin typeface="Times New Roman"/>
                           <a:ea typeface="Times New Roman"/>
@@ -6216,7 +6908,9 @@
                       <a:r>
                         <a:rPr sz="1100">
                           <a:solidFill>
-                            <a:srgbClr val="000000"/>
+                            <a:srgbClr val="000000">
+                              <a:alpha val="100000"/>
+                            </a:srgbClr>
                           </a:solidFill>
                           <a:latin typeface="Times New Roman"/>
                           <a:ea typeface="Times New Roman"/>
@@ -6229,30 +6923,40 @@
                   <a:tcPr anchor="ctr" marB="0" marT="0" marR="0" marL="0">
                     <a:lnL w="12700">
                       <a:solidFill>
-                        <a:srgbClr val="000000"/>
+                        <a:srgbClr val="000000">
+                          <a:alpha val="100000"/>
+                        </a:srgbClr>
                       </a:solidFill>
                       <a:prstDash val="solid"/>
                     </a:lnL>
                     <a:lnR w="12700">
                       <a:solidFill>
-                        <a:srgbClr val="000000"/>
+                        <a:srgbClr val="000000">
+                          <a:alpha val="100000"/>
+                        </a:srgbClr>
                       </a:solidFill>
                       <a:prstDash val="solid"/>
                     </a:lnR>
                     <a:lnT w="12700">
                       <a:solidFill>
-                        <a:srgbClr val="000000"/>
+                        <a:srgbClr val="000000">
+                          <a:alpha val="100000"/>
+                        </a:srgbClr>
                       </a:solidFill>
                       <a:prstDash val="solid"/>
                     </a:lnT>
                     <a:lnB w="12700">
                       <a:solidFill>
-                        <a:srgbClr val="000000"/>
+                        <a:srgbClr val="000000">
+                          <a:alpha val="100000"/>
+                        </a:srgbClr>
                       </a:solidFill>
                       <a:prstDash val="solid"/>
                     </a:lnB>
                     <a:solidFill>
-                      <a:srgbClr val="FFFFFF"/>
+                      <a:srgbClr val="FFFFFF">
+                        <a:alpha val="0"/>
+                      </a:srgbClr>
                     </a:solidFill>
                   </a:tcPr>
                 </a:tc>
@@ -6273,7 +6977,9 @@
                       <a:r>
                         <a:rPr sz="1100">
                           <a:solidFill>
-                            <a:srgbClr val="000000"/>
+                            <a:srgbClr val="000000">
+                              <a:alpha val="100000"/>
+                            </a:srgbClr>
                           </a:solidFill>
                           <a:latin typeface="Times New Roman"/>
                           <a:ea typeface="Times New Roman"/>
@@ -6284,7 +6990,9 @@
                       <a:r>
                         <a:rPr sz="1100">
                           <a:solidFill>
-                            <a:srgbClr val="000000"/>
+                            <a:srgbClr val="000000">
+                              <a:alpha val="100000"/>
+                            </a:srgbClr>
                           </a:solidFill>
                           <a:latin typeface="Times New Roman"/>
                           <a:ea typeface="Times New Roman"/>
@@ -6297,30 +7005,40 @@
                   <a:tcPr anchor="ctr" marB="0" marT="0" marR="0" marL="0">
                     <a:lnL w="12700">
                       <a:solidFill>
-                        <a:srgbClr val="000000"/>
+                        <a:srgbClr val="000000">
+                          <a:alpha val="100000"/>
+                        </a:srgbClr>
                       </a:solidFill>
                       <a:prstDash val="solid"/>
                     </a:lnL>
                     <a:lnR w="12700">
                       <a:solidFill>
-                        <a:srgbClr val="000000"/>
+                        <a:srgbClr val="000000">
+                          <a:alpha val="100000"/>
+                        </a:srgbClr>
                       </a:solidFill>
                       <a:prstDash val="solid"/>
                     </a:lnR>
                     <a:lnT w="12700">
                       <a:solidFill>
-                        <a:srgbClr val="000000"/>
+                        <a:srgbClr val="000000">
+                          <a:alpha val="100000"/>
+                        </a:srgbClr>
                       </a:solidFill>
                       <a:prstDash val="solid"/>
                     </a:lnT>
                     <a:lnB w="12700">
                       <a:solidFill>
-                        <a:srgbClr val="000000"/>
+                        <a:srgbClr val="000000">
+                          <a:alpha val="100000"/>
+                        </a:srgbClr>
                       </a:solidFill>
                       <a:prstDash val="solid"/>
                     </a:lnB>
                     <a:solidFill>
-                      <a:srgbClr val="FFFFFF"/>
+                      <a:srgbClr val="FFFFFF">
+                        <a:alpha val="0"/>
+                      </a:srgbClr>
                     </a:solidFill>
                   </a:tcPr>
                 </a:tc>
@@ -6341,7 +7059,9 @@
                       <a:r>
                         <a:rPr sz="1100">
                           <a:solidFill>
-                            <a:srgbClr val="000000"/>
+                            <a:srgbClr val="000000">
+                              <a:alpha val="100000"/>
+                            </a:srgbClr>
                           </a:solidFill>
                           <a:latin typeface="Times New Roman"/>
                           <a:ea typeface="Times New Roman"/>
@@ -6352,7 +7072,9 @@
                       <a:r>
                         <a:rPr sz="1100">
                           <a:solidFill>
-                            <a:srgbClr val="000000"/>
+                            <a:srgbClr val="000000">
+                              <a:alpha val="100000"/>
+                            </a:srgbClr>
                           </a:solidFill>
                           <a:latin typeface="Times New Roman"/>
                           <a:ea typeface="Times New Roman"/>
@@ -6365,30 +7087,40 @@
                   <a:tcPr anchor="ctr" marB="0" marT="0" marR="0" marL="0">
                     <a:lnL w="12700">
                       <a:solidFill>
-                        <a:srgbClr val="000000"/>
+                        <a:srgbClr val="000000">
+                          <a:alpha val="100000"/>
+                        </a:srgbClr>
                       </a:solidFill>
                       <a:prstDash val="solid"/>
                     </a:lnL>
                     <a:lnR w="12700">
                       <a:solidFill>
-                        <a:srgbClr val="000000"/>
+                        <a:srgbClr val="000000">
+                          <a:alpha val="100000"/>
+                        </a:srgbClr>
                       </a:solidFill>
                       <a:prstDash val="solid"/>
                     </a:lnR>
                     <a:lnT w="12700">
                       <a:solidFill>
-                        <a:srgbClr val="000000"/>
+                        <a:srgbClr val="000000">
+                          <a:alpha val="100000"/>
+                        </a:srgbClr>
                       </a:solidFill>
                       <a:prstDash val="solid"/>
                     </a:lnT>
                     <a:lnB w="12700">
                       <a:solidFill>
-                        <a:srgbClr val="000000"/>
+                        <a:srgbClr val="000000">
+                          <a:alpha val="100000"/>
+                        </a:srgbClr>
                       </a:solidFill>
                       <a:prstDash val="solid"/>
                     </a:lnB>
                     <a:solidFill>
-                      <a:srgbClr val="FFFFFF"/>
+                      <a:srgbClr val="FFFFFF">
+                        <a:alpha val="0"/>
+                      </a:srgbClr>
                     </a:solidFill>
                   </a:tcPr>
                 </a:tc>
@@ -6409,7 +7141,9 @@
                       <a:r>
                         <a:rPr sz="1100">
                           <a:solidFill>
-                            <a:srgbClr val="000000"/>
+                            <a:srgbClr val="000000">
+                              <a:alpha val="100000"/>
+                            </a:srgbClr>
                           </a:solidFill>
                           <a:latin typeface="Times New Roman"/>
                           <a:ea typeface="Times New Roman"/>
@@ -6420,7 +7154,9 @@
                       <a:r>
                         <a:rPr sz="1100">
                           <a:solidFill>
-                            <a:srgbClr val="000000"/>
+                            <a:srgbClr val="000000">
+                              <a:alpha val="100000"/>
+                            </a:srgbClr>
                           </a:solidFill>
                           <a:latin typeface="Times New Roman"/>
                           <a:ea typeface="Times New Roman"/>
@@ -6433,30 +7169,40 @@
                   <a:tcPr anchor="ctr" marB="0" marT="0" marR="0" marL="0">
                     <a:lnL w="12700">
                       <a:solidFill>
-                        <a:srgbClr val="000000"/>
+                        <a:srgbClr val="000000">
+                          <a:alpha val="100000"/>
+                        </a:srgbClr>
                       </a:solidFill>
                       <a:prstDash val="solid"/>
                     </a:lnL>
                     <a:lnR w="12700">
                       <a:solidFill>
-                        <a:srgbClr val="000000"/>
+                        <a:srgbClr val="000000">
+                          <a:alpha val="100000"/>
+                        </a:srgbClr>
                       </a:solidFill>
                       <a:prstDash val="solid"/>
                     </a:lnR>
                     <a:lnT w="12700">
                       <a:solidFill>
-                        <a:srgbClr val="000000"/>
+                        <a:srgbClr val="000000">
+                          <a:alpha val="100000"/>
+                        </a:srgbClr>
                       </a:solidFill>
                       <a:prstDash val="solid"/>
                     </a:lnT>
                     <a:lnB w="12700">
                       <a:solidFill>
-                        <a:srgbClr val="000000"/>
+                        <a:srgbClr val="000000">
+                          <a:alpha val="100000"/>
+                        </a:srgbClr>
                       </a:solidFill>
                       <a:prstDash val="solid"/>
                     </a:lnB>
                     <a:solidFill>
-                      <a:srgbClr val="FFFFFF"/>
+                      <a:srgbClr val="FFFFFF">
+                        <a:alpha val="0"/>
+                      </a:srgbClr>
                     </a:solidFill>
                   </a:tcPr>
                 </a:tc>
@@ -6477,7 +7223,9 @@
                       <a:r>
                         <a:rPr sz="1100">
                           <a:solidFill>
-                            <a:srgbClr val="000000"/>
+                            <a:srgbClr val="000000">
+                              <a:alpha val="100000"/>
+                            </a:srgbClr>
                           </a:solidFill>
                           <a:latin typeface="Times New Roman"/>
                           <a:ea typeface="Times New Roman"/>
@@ -6488,7 +7236,9 @@
                       <a:r>
                         <a:rPr sz="1100">
                           <a:solidFill>
-                            <a:srgbClr val="000000"/>
+                            <a:srgbClr val="000000">
+                              <a:alpha val="100000"/>
+                            </a:srgbClr>
                           </a:solidFill>
                           <a:latin typeface="Times New Roman"/>
                           <a:ea typeface="Times New Roman"/>
@@ -6501,30 +7251,40 @@
                   <a:tcPr anchor="ctr" marB="0" marT="0" marR="0" marL="0">
                     <a:lnL w="12700">
                       <a:solidFill>
-                        <a:srgbClr val="000000"/>
+                        <a:srgbClr val="000000">
+                          <a:alpha val="100000"/>
+                        </a:srgbClr>
                       </a:solidFill>
                       <a:prstDash val="solid"/>
                     </a:lnL>
                     <a:lnR w="12700">
                       <a:solidFill>
-                        <a:srgbClr val="000000"/>
+                        <a:srgbClr val="000000">
+                          <a:alpha val="100000"/>
+                        </a:srgbClr>
                       </a:solidFill>
                       <a:prstDash val="solid"/>
                     </a:lnR>
                     <a:lnT w="12700">
                       <a:solidFill>
-                        <a:srgbClr val="000000"/>
+                        <a:srgbClr val="000000">
+                          <a:alpha val="100000"/>
+                        </a:srgbClr>
                       </a:solidFill>
                       <a:prstDash val="solid"/>
                     </a:lnT>
                     <a:lnB w="12700">
                       <a:solidFill>
-                        <a:srgbClr val="000000"/>
+                        <a:srgbClr val="000000">
+                          <a:alpha val="100000"/>
+                        </a:srgbClr>
                       </a:solidFill>
                       <a:prstDash val="solid"/>
                     </a:lnB>
                     <a:solidFill>
-                      <a:srgbClr val="FFFFFF"/>
+                      <a:srgbClr val="FFFFFF">
+                        <a:alpha val="0"/>
+                      </a:srgbClr>
                     </a:solidFill>
                   </a:tcPr>
                 </a:tc>
@@ -6610,41 +7370,6 @@
           </p:nvSpPr>
           <p:spPr>
             <a:xfrm>
-              <a:off y="1825625" x="838200"/>
-              <a:ext cy="4351338" cx="10515600"/>
-            </a:xfrm>
-            <a:prstGeom prst="rect">
-              <a:avLst/>
-            </a:prstGeom>
-            <a:solidFill>
-              <a:srgbClr val="FFFFFF">
-                <a:alpha val="100000"/>
-              </a:srgbClr>
-            </a:solidFill>
-            <a:ln cap="rnd" w="9525">
-              <a:solidFill>
-                <a:srgbClr val="FFFFFF">
-                  <a:alpha val="100000"/>
-                </a:srgbClr>
-              </a:solidFill>
-              <a:prstDash val="solid"/>
-              <a:round/>
-            </a:ln>
-          </p:spPr>
-          <p:txBody>
-            <a:bodyPr/>
-            <a:lstStyle/>
-            <a:p/>
-          </p:txBody>
-        </p:sp>
-        <p:sp>
-          <p:nvSpPr>
-            <p:cNvPr name="rc5" id="5"/>
-            <p:cNvSpPr/>
-            <p:nvPr/>
-          </p:nvSpPr>
-          <p:spPr>
-            <a:xfrm>
               <a:off y="4946531" x="1876495"/>
               <a:ext cy="347654" cx="933434"/>
             </a:xfrm>
@@ -6674,7 +7399,7 @@
         </p:sp>
         <p:sp>
           <p:nvSpPr>
-            <p:cNvPr name="rc6" id="6"/>
+            <p:cNvPr name="rc5" id="5"/>
             <p:cNvSpPr/>
             <p:nvPr/>
           </p:nvSpPr>
@@ -6709,7 +7434,7 @@
         </p:sp>
         <p:sp>
           <p:nvSpPr>
-            <p:cNvPr name="rc7" id="7"/>
+            <p:cNvPr name="rc6" id="6"/>
             <p:cNvSpPr/>
             <p:nvPr/>
           </p:nvSpPr>
@@ -6744,7 +7469,7 @@
         </p:sp>
         <p:sp>
           <p:nvSpPr>
-            <p:cNvPr name="rc8" id="8"/>
+            <p:cNvPr name="rc7" id="7"/>
             <p:cNvSpPr/>
             <p:nvPr/>
           </p:nvSpPr>
@@ -6779,7 +7504,7 @@
         </p:sp>
         <p:sp>
           <p:nvSpPr>
-            <p:cNvPr name="rc9" id="9"/>
+            <p:cNvPr name="rc8" id="8"/>
             <p:cNvSpPr/>
             <p:nvPr/>
           </p:nvSpPr>
@@ -6814,7 +7539,7 @@
         </p:sp>
         <p:sp>
           <p:nvSpPr>
-            <p:cNvPr name="rc10" id="10"/>
+            <p:cNvPr name="rc9" id="9"/>
             <p:cNvSpPr/>
             <p:nvPr/>
           </p:nvSpPr>
@@ -6849,7 +7574,7 @@
         </p:sp>
         <p:sp>
           <p:nvSpPr>
-            <p:cNvPr name="rc11" id="11"/>
+            <p:cNvPr name="rc10" id="10"/>
             <p:cNvSpPr/>
             <p:nvPr/>
           </p:nvSpPr>
@@ -6884,7 +7609,7 @@
         </p:sp>
         <p:sp>
           <p:nvSpPr>
-            <p:cNvPr name="rc12" id="12"/>
+            <p:cNvPr name="rc11" id="11"/>
             <p:cNvSpPr/>
             <p:nvPr/>
           </p:nvSpPr>
@@ -6919,7 +7644,7 @@
         </p:sp>
         <p:sp>
           <p:nvSpPr>
-            <p:cNvPr name="pl13" id="13"/>
+            <p:cNvPr name="pl12" id="12"/>
             <p:cNvSpPr/>
             <p:nvPr/>
           </p:nvSpPr>
@@ -6959,7 +7684,7 @@
         </p:sp>
         <p:sp>
           <p:nvSpPr>
-            <p:cNvPr name="pl14" id="14"/>
+            <p:cNvPr name="pl13" id="13"/>
             <p:cNvSpPr/>
             <p:nvPr/>
           </p:nvSpPr>
@@ -6999,7 +7724,7 @@
         </p:sp>
         <p:sp>
           <p:nvSpPr>
-            <p:cNvPr name="pl15" id="15"/>
+            <p:cNvPr name="pl14" id="14"/>
             <p:cNvSpPr/>
             <p:nvPr/>
           </p:nvSpPr>
@@ -7039,7 +7764,7 @@
         </p:sp>
         <p:sp>
           <p:nvSpPr>
-            <p:cNvPr name="pl16" id="16"/>
+            <p:cNvPr name="pl15" id="15"/>
             <p:cNvSpPr/>
             <p:nvPr/>
           </p:nvSpPr>
@@ -7079,7 +7804,7 @@
         </p:sp>
         <p:sp>
           <p:nvSpPr>
-            <p:cNvPr name="pl17" id="17"/>
+            <p:cNvPr name="pl16" id="16"/>
             <p:cNvSpPr/>
             <p:nvPr/>
           </p:nvSpPr>
@@ -7119,7 +7844,7 @@
         </p:sp>
         <p:sp>
           <p:nvSpPr>
-            <p:cNvPr name="pl18" id="18"/>
+            <p:cNvPr name="pl17" id="17"/>
             <p:cNvSpPr/>
             <p:nvPr/>
           </p:nvSpPr>
@@ -7159,7 +7884,7 @@
         </p:sp>
         <p:sp>
           <p:nvSpPr>
-            <p:cNvPr name="tx19" id="19"/>
+            <p:cNvPr name="tx18" id="18"/>
             <p:cNvSpPr/>
             <p:nvPr/>
           </p:nvSpPr>
@@ -7205,7 +7930,7 @@
         </p:sp>
         <p:sp>
           <p:nvSpPr>
-            <p:cNvPr name="tx20" id="20"/>
+            <p:cNvPr name="tx19" id="19"/>
             <p:cNvSpPr/>
             <p:nvPr/>
           </p:nvSpPr>
@@ -7251,7 +7976,7 @@
         </p:sp>
         <p:sp>
           <p:nvSpPr>
-            <p:cNvPr name="tx21" id="21"/>
+            <p:cNvPr name="tx20" id="20"/>
             <p:cNvSpPr/>
             <p:nvPr/>
           </p:nvSpPr>
@@ -7297,7 +8022,7 @@
         </p:sp>
         <p:sp>
           <p:nvSpPr>
-            <p:cNvPr name="tx22" id="22"/>
+            <p:cNvPr name="tx21" id="21"/>
             <p:cNvSpPr/>
             <p:nvPr/>
           </p:nvSpPr>
@@ -7343,7 +8068,7 @@
         </p:sp>
         <p:sp>
           <p:nvSpPr>
-            <p:cNvPr name="tx23" id="23"/>
+            <p:cNvPr name="tx22" id="22"/>
             <p:cNvSpPr/>
             <p:nvPr/>
           </p:nvSpPr>
